--- a/MS Office Files/opening screen.pptx
+++ b/MS Office Files/opening screen.pptx
@@ -6,11 +6,7 @@
   </p:sldMasterIdLst>
   <p:sldIdLst>
     <p:sldId id="258" r:id="rId2"/>
-    <p:sldId id="257" r:id="rId3"/>
-    <p:sldId id="261" r:id="rId4"/>
-    <p:sldId id="260" r:id="rId5"/>
-    <p:sldId id="259" r:id="rId6"/>
-    <p:sldId id="262" r:id="rId7"/>
+    <p:sldId id="259" r:id="rId3"/>
   </p:sldIdLst>
   <p:sldSz cx="12192000" cy="6858000"/>
   <p:notesSz cx="6858000" cy="9144000"/>
@@ -453,7 +449,7 @@
             <a:fld id="{5923F103-BC34-4FE4-A40E-EDDEECFDA5D0}" type="datetimeFigureOut">
               <a:rPr lang="en-US" dirty="0"/>
               <a:pPr/>
-              <a:t>10/10/20</a:t>
+              <a:t>2/5/21</a:t>
             </a:fld>
             <a:endParaRPr lang="en-US" dirty="0"/>
           </a:p>
@@ -565,12 +561,12 @@
   </p:clrMapOvr>
   <mc:AlternateContent xmlns:mc="http://schemas.openxmlformats.org/markup-compatibility/2006">
     <mc:Choice xmlns:p14="http://schemas.microsoft.com/office/powerpoint/2010/main" Requires="p14">
-      <p:transition p14:dur="250" advClick="0" advTm="500">
+      <p:transition spd="slow" p14:dur="1500" advClick="0" advTm="1000">
         <p:fade/>
       </p:transition>
     </mc:Choice>
     <mc:Fallback>
-      <p:transition advClick="0" advTm="500">
+      <p:transition spd="slow" advClick="0" advTm="1000">
         <p:fade/>
       </p:transition>
     </mc:Fallback>
@@ -1549,7 +1545,7 @@
           <a:p>
             <a:fld id="{923A1CC3-2375-41D4-9E03-427CAF2A4C1A}" type="datetimeFigureOut">
               <a:rPr lang="en-US" dirty="0"/>
-              <a:t>10/10/20</a:t>
+              <a:t>2/5/21</a:t>
             </a:fld>
             <a:endParaRPr lang="en-US" dirty="0"/>
           </a:p>
@@ -1641,12 +1637,12 @@
   </p:clrMapOvr>
   <mc:AlternateContent xmlns:mc="http://schemas.openxmlformats.org/markup-compatibility/2006">
     <mc:Choice xmlns:p14="http://schemas.microsoft.com/office/powerpoint/2010/main" Requires="p14">
-      <p:transition p14:dur="250" advClick="0" advTm="500">
+      <p:transition spd="slow" p14:dur="1500" advClick="0" advTm="1000">
         <p:fade/>
       </p:transition>
     </mc:Choice>
     <mc:Fallback>
-      <p:transition advClick="0" advTm="500">
+      <p:transition spd="slow" advClick="0" advTm="1000">
         <p:fade/>
       </p:transition>
     </mc:Fallback>
@@ -2537,7 +2533,7 @@
           <a:p>
             <a:fld id="{AFF16868-8199-4C2C-A5B1-63AEE139F88E}" type="datetimeFigureOut">
               <a:rPr lang="en-US" dirty="0"/>
-              <a:t>10/10/20</a:t>
+              <a:t>2/5/21</a:t>
             </a:fld>
             <a:endParaRPr lang="en-US" dirty="0"/>
           </a:p>
@@ -2629,12 +2625,12 @@
   </p:clrMapOvr>
   <mc:AlternateContent xmlns:mc="http://schemas.openxmlformats.org/markup-compatibility/2006">
     <mc:Choice xmlns:p14="http://schemas.microsoft.com/office/powerpoint/2010/main" Requires="p14">
-      <p:transition p14:dur="250" advClick="0" advTm="500">
+      <p:transition spd="slow" p14:dur="1500" advClick="0" advTm="1000">
         <p:fade/>
       </p:transition>
     </mc:Choice>
     <mc:Fallback>
-      <p:transition advClick="0" advTm="500">
+      <p:transition spd="slow" advClick="0" advTm="1000">
         <p:fade/>
       </p:transition>
     </mc:Fallback>
@@ -3679,7 +3675,7 @@
           <a:p>
             <a:fld id="{AAD9FF7F-6988-44CC-821B-644E70CD2F73}" type="datetimeFigureOut">
               <a:rPr lang="en-US" dirty="0"/>
-              <a:t>10/10/20</a:t>
+              <a:t>2/5/21</a:t>
             </a:fld>
             <a:endParaRPr lang="en-US" dirty="0"/>
           </a:p>
@@ -3771,12 +3767,12 @@
   </p:clrMapOvr>
   <mc:AlternateContent xmlns:mc="http://schemas.openxmlformats.org/markup-compatibility/2006">
     <mc:Choice xmlns:p14="http://schemas.microsoft.com/office/powerpoint/2010/main" Requires="p14">
-      <p:transition p14:dur="250" advClick="0" advTm="500">
+      <p:transition spd="slow" p14:dur="1500" advClick="0" advTm="1000">
         <p:fade/>
       </p:transition>
     </mc:Choice>
     <mc:Fallback>
-      <p:transition advClick="0" advTm="500">
+      <p:transition spd="slow" advClick="0" advTm="1000">
         <p:fade/>
       </p:transition>
     </mc:Fallback>
@@ -4720,7 +4716,7 @@
           <a:p>
             <a:fld id="{5C12C299-16B2-4475-990D-751901EACC14}" type="datetimeFigureOut">
               <a:rPr lang="en-US" dirty="0"/>
-              <a:t>10/10/20</a:t>
+              <a:t>2/5/21</a:t>
             </a:fld>
             <a:endParaRPr lang="en-US" dirty="0"/>
           </a:p>
@@ -4812,12 +4808,12 @@
   </p:clrMapOvr>
   <mc:AlternateContent xmlns:mc="http://schemas.openxmlformats.org/markup-compatibility/2006">
     <mc:Choice xmlns:p14="http://schemas.microsoft.com/office/powerpoint/2010/main" Requires="p14">
-      <p:transition p14:dur="250" advClick="0" advTm="500">
+      <p:transition spd="slow" p14:dur="1500" advClick="0" advTm="1000">
         <p:fade/>
       </p:transition>
     </mc:Choice>
     <mc:Fallback>
-      <p:transition advClick="0" advTm="500">
+      <p:transition spd="slow" advClick="0" advTm="1000">
         <p:fade/>
       </p:transition>
     </mc:Fallback>
@@ -5388,7 +5384,7 @@
           <a:p>
             <a:fld id="{9FE86839-B9D8-4651-8783-F325ECE74E65}" type="datetimeFigureOut">
               <a:rPr lang="en-US" dirty="0"/>
-              <a:t>10/10/20</a:t>
+              <a:t>2/5/21</a:t>
             </a:fld>
             <a:endParaRPr lang="en-US" dirty="0"/>
           </a:p>
@@ -5444,12 +5440,12 @@
   </p:clrMapOvr>
   <mc:AlternateContent xmlns:mc="http://schemas.openxmlformats.org/markup-compatibility/2006">
     <mc:Choice xmlns:p14="http://schemas.microsoft.com/office/powerpoint/2010/main" Requires="p14">
-      <p:transition p14:dur="250" advClick="0" advTm="500">
+      <p:transition spd="slow" p14:dur="1500" advClick="0" advTm="1000">
         <p:fade/>
       </p:transition>
     </mc:Choice>
     <mc:Fallback>
-      <p:transition advClick="0" advTm="500">
+      <p:transition spd="slow" advClick="0" advTm="1000">
         <p:fade/>
       </p:transition>
     </mc:Fallback>
@@ -6257,7 +6253,7 @@
           <a:p>
             <a:fld id="{FD484F64-32F6-45C5-931F-ADC1662401D0}" type="datetimeFigureOut">
               <a:rPr lang="en-US" dirty="0"/>
-              <a:t>10/10/20</a:t>
+              <a:t>2/5/21</a:t>
             </a:fld>
             <a:endParaRPr lang="en-US" dirty="0"/>
           </a:p>
@@ -6318,12 +6314,12 @@
   </p:clrMapOvr>
   <mc:AlternateContent xmlns:mc="http://schemas.openxmlformats.org/markup-compatibility/2006">
     <mc:Choice xmlns:p14="http://schemas.microsoft.com/office/powerpoint/2010/main" Requires="p14">
-      <p:transition p14:dur="250" advClick="0" advTm="500">
+      <p:transition spd="slow" p14:dur="1500" advClick="0" advTm="1000">
         <p:fade/>
       </p:transition>
     </mc:Choice>
     <mc:Fallback>
-      <p:transition advClick="0" advTm="500">
+      <p:transition spd="slow" advClick="0" advTm="1000">
         <p:fade/>
       </p:transition>
     </mc:Fallback>
@@ -6455,7 +6451,7 @@
           <a:p>
             <a:fld id="{53086D93-FCAC-47E0-A2EE-787E62CA814C}" type="datetimeFigureOut">
               <a:rPr lang="en-US" dirty="0"/>
-              <a:t>10/10/20</a:t>
+              <a:t>2/5/21</a:t>
             </a:fld>
             <a:endParaRPr lang="en-US" dirty="0"/>
           </a:p>
@@ -6511,12 +6507,12 @@
   </p:clrMapOvr>
   <mc:AlternateContent xmlns:mc="http://schemas.openxmlformats.org/markup-compatibility/2006">
     <mc:Choice xmlns:p14="http://schemas.microsoft.com/office/powerpoint/2010/main" Requires="p14">
-      <p:transition p14:dur="250" advClick="0" advTm="500">
+      <p:transition spd="slow" p14:dur="1500" advClick="0" advTm="1000">
         <p:fade/>
       </p:transition>
     </mc:Choice>
     <mc:Fallback>
-      <p:transition advClick="0" advTm="500">
+      <p:transition spd="slow" advClick="0" advTm="1000">
         <p:fade/>
       </p:transition>
     </mc:Fallback>
@@ -7435,7 +7431,7 @@
           <a:p>
             <a:fld id="{CDA879A6-0FD0-4734-A311-86BFCA472E6E}" type="datetimeFigureOut">
               <a:rPr lang="en-US" dirty="0"/>
-              <a:t>10/10/20</a:t>
+              <a:t>2/5/21</a:t>
             </a:fld>
             <a:endParaRPr lang="en-US" dirty="0"/>
           </a:p>
@@ -7527,12 +7523,12 @@
   </p:clrMapOvr>
   <mc:AlternateContent xmlns:mc="http://schemas.openxmlformats.org/markup-compatibility/2006">
     <mc:Choice xmlns:p14="http://schemas.microsoft.com/office/powerpoint/2010/main" Requires="p14">
-      <p:transition p14:dur="250" advClick="0" advTm="500">
+      <p:transition spd="slow" p14:dur="1500" advClick="0" advTm="1000">
         <p:fade/>
       </p:transition>
     </mc:Choice>
     <mc:Fallback>
-      <p:transition advClick="0" advTm="500">
+      <p:transition spd="slow" advClick="0" advTm="1000">
         <p:fade/>
       </p:transition>
     </mc:Fallback>
@@ -7654,7 +7650,7 @@
           <a:p>
             <a:fld id="{19C9CA7B-DFD4-44B5-8C60-D14B8CD1FB59}" type="datetimeFigureOut">
               <a:rPr lang="en-US" dirty="0"/>
-              <a:t>10/10/20</a:t>
+              <a:t>2/5/21</a:t>
             </a:fld>
             <a:endParaRPr lang="en-US" dirty="0"/>
           </a:p>
@@ -7710,12 +7706,12 @@
   </p:clrMapOvr>
   <mc:AlternateContent xmlns:mc="http://schemas.openxmlformats.org/markup-compatibility/2006">
     <mc:Choice xmlns:p14="http://schemas.microsoft.com/office/powerpoint/2010/main" Requires="p14">
-      <p:transition p14:dur="250" advClick="0" advTm="500">
+      <p:transition spd="slow" p14:dur="1500" advClick="0" advTm="1000">
         <p:fade/>
       </p:transition>
     </mc:Choice>
     <mc:Fallback>
-      <p:transition advClick="0" advTm="500">
+      <p:transition spd="slow" advClick="0" advTm="1000">
         <p:fade/>
       </p:transition>
     </mc:Fallback>
@@ -8696,7 +8692,7 @@
           <a:p>
             <a:fld id="{F34E6425-0181-43F2-84FC-787E803FD2F8}" type="datetimeFigureOut">
               <a:rPr lang="en-US" dirty="0"/>
-              <a:t>10/10/20</a:t>
+              <a:t>2/5/21</a:t>
             </a:fld>
             <a:endParaRPr lang="en-US" dirty="0"/>
           </a:p>
@@ -8788,12 +8784,12 @@
   </p:clrMapOvr>
   <mc:AlternateContent xmlns:mc="http://schemas.openxmlformats.org/markup-compatibility/2006">
     <mc:Choice xmlns:p14="http://schemas.microsoft.com/office/powerpoint/2010/main" Requires="p14">
-      <p:transition p14:dur="250" advClick="0" advTm="500">
+      <p:transition spd="slow" p14:dur="1500" advClick="0" advTm="1000">
         <p:fade/>
       </p:transition>
     </mc:Choice>
     <mc:Fallback>
-      <p:transition advClick="0" advTm="500">
+      <p:transition spd="slow" advClick="0" advTm="1000">
         <p:fade/>
       </p:transition>
     </mc:Fallback>
@@ -8976,7 +8972,7 @@
           <a:p>
             <a:fld id="{3BDB8791-F1B0-41E7-B7FD-A781E65C4266}" type="datetimeFigureOut">
               <a:rPr lang="en-US" dirty="0"/>
-              <a:t>10/10/20</a:t>
+              <a:t>2/5/21</a:t>
             </a:fld>
             <a:endParaRPr lang="en-US" dirty="0"/>
           </a:p>
@@ -9032,12 +9028,12 @@
   </p:clrMapOvr>
   <mc:AlternateContent xmlns:mc="http://schemas.openxmlformats.org/markup-compatibility/2006">
     <mc:Choice xmlns:p14="http://schemas.microsoft.com/office/powerpoint/2010/main" Requires="p14">
-      <p:transition p14:dur="250" advClick="0" advTm="500">
+      <p:transition spd="slow" p14:dur="1500" advClick="0" advTm="1000">
         <p:fade/>
       </p:transition>
     </mc:Choice>
     <mc:Fallback>
-      <p:transition advClick="0" advTm="500">
+      <p:transition spd="slow" advClick="0" advTm="1000">
         <p:fade/>
       </p:transition>
     </mc:Fallback>
@@ -9394,7 +9390,7 @@
           <a:p>
             <a:fld id="{5FDD63B2-E120-4ED8-B27B-C685F510A5FE}" type="datetimeFigureOut">
               <a:rPr lang="en-US" dirty="0"/>
-              <a:t>10/10/20</a:t>
+              <a:t>2/5/21</a:t>
             </a:fld>
             <a:endParaRPr lang="en-US" dirty="0"/>
           </a:p>
@@ -9450,12 +9446,12 @@
   </p:clrMapOvr>
   <mc:AlternateContent xmlns:mc="http://schemas.openxmlformats.org/markup-compatibility/2006">
     <mc:Choice xmlns:p14="http://schemas.microsoft.com/office/powerpoint/2010/main" Requires="p14">
-      <p:transition p14:dur="250" advClick="0" advTm="500">
+      <p:transition spd="slow" p14:dur="1500" advClick="0" advTm="1000">
         <p:fade/>
       </p:transition>
     </mc:Choice>
     <mc:Fallback>
-      <p:transition advClick="0" advTm="500">
+      <p:transition spd="slow" advClick="0" advTm="1000">
         <p:fade/>
       </p:transition>
     </mc:Fallback>
@@ -9529,7 +9525,7 @@
           <a:p>
             <a:fld id="{7AA18ACC-A947-437B-A130-35BD54FDF1E9}" type="datetimeFigureOut">
               <a:rPr lang="en-US" dirty="0"/>
-              <a:t>10/10/20</a:t>
+              <a:t>2/5/21</a:t>
             </a:fld>
             <a:endParaRPr lang="en-US" dirty="0"/>
           </a:p>
@@ -9585,12 +9581,12 @@
   </p:clrMapOvr>
   <mc:AlternateContent xmlns:mc="http://schemas.openxmlformats.org/markup-compatibility/2006">
     <mc:Choice xmlns:p14="http://schemas.microsoft.com/office/powerpoint/2010/main" Requires="p14">
-      <p:transition p14:dur="250" advClick="0" advTm="500">
+      <p:transition spd="slow" p14:dur="1500" advClick="0" advTm="1000">
         <p:fade/>
       </p:transition>
     </mc:Choice>
     <mc:Fallback>
-      <p:transition advClick="0" advTm="500">
+      <p:transition spd="slow" advClick="0" advTm="1000">
         <p:fade/>
       </p:transition>
     </mc:Fallback>
@@ -9632,7 +9628,7 @@
           <a:p>
             <a:fld id="{7C8D7E02-BCB8-4D50-A234-369438C08659}" type="datetimeFigureOut">
               <a:rPr lang="en-US" dirty="0"/>
-              <a:t>10/10/20</a:t>
+              <a:t>2/5/21</a:t>
             </a:fld>
             <a:endParaRPr lang="en-US" dirty="0"/>
           </a:p>
@@ -9724,12 +9720,12 @@
   </p:clrMapOvr>
   <mc:AlternateContent xmlns:mc="http://schemas.openxmlformats.org/markup-compatibility/2006">
     <mc:Choice xmlns:p14="http://schemas.microsoft.com/office/powerpoint/2010/main" Requires="p14">
-      <p:transition p14:dur="250" advClick="0" advTm="500">
+      <p:transition spd="slow" p14:dur="1500" advClick="0" advTm="1000">
         <p:fade/>
       </p:transition>
     </mc:Choice>
     <mc:Fallback>
-      <p:transition advClick="0" advTm="500">
+      <p:transition spd="slow" advClick="0" advTm="1000">
         <p:fade/>
       </p:transition>
     </mc:Fallback>
@@ -10721,7 +10717,7 @@
           <a:p>
             <a:fld id="{76E86A4C-8E40-4F87-A4F0-01A0687C5742}" type="datetimeFigureOut">
               <a:rPr lang="en-US" dirty="0"/>
-              <a:t>10/10/20</a:t>
+              <a:t>2/5/21</a:t>
             </a:fld>
             <a:endParaRPr lang="en-US" dirty="0"/>
           </a:p>
@@ -10813,12 +10809,12 @@
   </p:clrMapOvr>
   <mc:AlternateContent xmlns:mc="http://schemas.openxmlformats.org/markup-compatibility/2006">
     <mc:Choice xmlns:p14="http://schemas.microsoft.com/office/powerpoint/2010/main" Requires="p14">
-      <p:transition p14:dur="250" advClick="0" advTm="500">
+      <p:transition spd="slow" p14:dur="1500" advClick="0" advTm="1000">
         <p:fade/>
       </p:transition>
     </mc:Choice>
     <mc:Fallback>
-      <p:transition advClick="0" advTm="500">
+      <p:transition spd="slow" advClick="0" advTm="1000">
         <p:fade/>
       </p:transition>
     </mc:Fallback>
@@ -11837,7 +11833,7 @@
           <a:p>
             <a:fld id="{35E72C73-2D91-4E12-BA25-F0AA0C03599B}" type="datetimeFigureOut">
               <a:rPr lang="en-US" dirty="0"/>
-              <a:t>10/10/20</a:t>
+              <a:t>2/5/21</a:t>
             </a:fld>
             <a:endParaRPr lang="en-US" dirty="0"/>
           </a:p>
@@ -11929,12 +11925,12 @@
   </p:clrMapOvr>
   <mc:AlternateContent xmlns:mc="http://schemas.openxmlformats.org/markup-compatibility/2006">
     <mc:Choice xmlns:p14="http://schemas.microsoft.com/office/powerpoint/2010/main" Requires="p14">
-      <p:transition p14:dur="250" advClick="0" advTm="500">
+      <p:transition spd="slow" p14:dur="1500" advClick="0" advTm="1000">
         <p:fade/>
       </p:transition>
     </mc:Choice>
     <mc:Fallback>
-      <p:transition advClick="0" advTm="500">
+      <p:transition spd="slow" advClick="0" advTm="1000">
         <p:fade/>
       </p:transition>
     </mc:Fallback>
@@ -12842,7 +12838,7 @@
           <a:p>
             <a:fld id="{2BE451C3-0FF4-47C4-B829-773ADF60F88C}" type="datetimeFigureOut">
               <a:rPr lang="en-US" dirty="0"/>
-              <a:t>10/10/20</a:t>
+              <a:t>2/5/21</a:t>
             </a:fld>
             <a:endParaRPr lang="en-US" dirty="0"/>
           </a:p>
@@ -12983,12 +12979,12 @@
   </p:sldLayoutIdLst>
   <mc:AlternateContent xmlns:mc="http://schemas.openxmlformats.org/markup-compatibility/2006">
     <mc:Choice xmlns:p14="http://schemas.microsoft.com/office/powerpoint/2010/main" Requires="p14">
-      <p:transition p14:dur="250" advClick="0" advTm="500">
+      <p:transition spd="slow" p14:dur="1500" advClick="0" advTm="1000">
         <p:fade/>
       </p:transition>
     </mc:Choice>
     <mc:Fallback>
-      <p:transition advClick="0" advTm="500">
+      <p:transition spd="slow" advClick="0" advTm="1000">
         <p:fade/>
       </p:transition>
     </mc:Fallback>
@@ -13523,8 +13519,8 @@
         </p:nvSpPr>
         <p:spPr bwMode="gray">
           <a:xfrm>
-            <a:off x="5471632" y="4487676"/>
-            <a:ext cx="2564330" cy="861420"/>
+            <a:off x="5103341" y="4487676"/>
+            <a:ext cx="2932621" cy="861420"/>
           </a:xfrm>
           <a:prstGeom prst="rect">
             <a:avLst/>
@@ -13755,218 +13751,18 @@
           </a:lstStyle>
           <a:p>
             <a:pPr algn="r"/>
+            <a:fld id="{92531C46-8D05-184E-B2A6-3F4A9A28DEAA}" type="datetime2">
+              <a:rPr lang="en-US" b="1" cap="none" smtClean="0"/>
+              <a:t>Friday, February 5, 2021</a:t>
+            </a:fld>
+            <a:endParaRPr lang="en-US" b="1" cap="none" dirty="0"/>
+          </a:p>
+          <a:p>
+            <a:pPr algn="r"/>
             <a:r>
-              <a:rPr lang="en-US" b="1" dirty="0"/>
-              <a:t>9 AM – 10 AM</a:t>
+              <a:rPr lang="en-US" b="1" cap="none" dirty="0"/>
+              <a:t>9 a.m.</a:t>
             </a:r>
-          </a:p>
-        </p:txBody>
-      </p:sp>
-      <p:sp>
-        <p:nvSpPr>
-          <p:cNvPr id="7" name="Rectangle 6">
-            <a:extLst>
-              <a:ext uri="{FF2B5EF4-FFF2-40B4-BE49-F238E27FC236}">
-                <a16:creationId xmlns:a16="http://schemas.microsoft.com/office/drawing/2014/main" id="{C5720769-8D34-0C4D-82E9-8D2C0823A4C0}"/>
-              </a:ext>
-            </a:extLst>
-          </p:cNvPr>
-          <p:cNvSpPr/>
-          <p:nvPr/>
-        </p:nvSpPr>
-        <p:spPr>
-          <a:xfrm>
-            <a:off x="6477232" y="4888534"/>
-            <a:ext cx="274320" cy="91440"/>
-          </a:xfrm>
-          <a:prstGeom prst="rect">
-            <a:avLst/>
-          </a:prstGeom>
-          <a:solidFill>
-            <a:srgbClr val="994489"/>
-          </a:solidFill>
-          <a:ln>
-            <a:noFill/>
-          </a:ln>
-        </p:spPr>
-        <p:style>
-          <a:lnRef idx="2">
-            <a:schemeClr val="accent1">
-              <a:shade val="50000"/>
-            </a:schemeClr>
-          </a:lnRef>
-          <a:fillRef idx="1">
-            <a:schemeClr val="accent1"/>
-          </a:fillRef>
-          <a:effectRef idx="0">
-            <a:schemeClr val="accent1"/>
-          </a:effectRef>
-          <a:fontRef idx="minor">
-            <a:schemeClr val="lt1"/>
-          </a:fontRef>
-        </p:style>
-        <p:txBody>
-          <a:bodyPr rtlCol="0" anchor="ctr"/>
-          <a:lstStyle/>
-          <a:p>
-            <a:pPr algn="ctr"/>
-            <a:endParaRPr lang="en-US" dirty="0"/>
-          </a:p>
-        </p:txBody>
-      </p:sp>
-      <p:sp>
-        <p:nvSpPr>
-          <p:cNvPr id="8" name="Rectangle 7">
-            <a:extLst>
-              <a:ext uri="{FF2B5EF4-FFF2-40B4-BE49-F238E27FC236}">
-                <a16:creationId xmlns:a16="http://schemas.microsoft.com/office/drawing/2014/main" id="{CEEA5851-37FD-1B4E-A5A8-4920BDCD6CB8}"/>
-              </a:ext>
-            </a:extLst>
-          </p:cNvPr>
-          <p:cNvSpPr/>
-          <p:nvPr/>
-        </p:nvSpPr>
-        <p:spPr>
-          <a:xfrm>
-            <a:off x="6881602" y="4888534"/>
-            <a:ext cx="274320" cy="91440"/>
-          </a:xfrm>
-          <a:prstGeom prst="rect">
-            <a:avLst/>
-          </a:prstGeom>
-          <a:solidFill>
-            <a:srgbClr val="994489"/>
-          </a:solidFill>
-          <a:ln>
-            <a:noFill/>
-          </a:ln>
-        </p:spPr>
-        <p:style>
-          <a:lnRef idx="2">
-            <a:schemeClr val="accent1">
-              <a:shade val="50000"/>
-            </a:schemeClr>
-          </a:lnRef>
-          <a:fillRef idx="1">
-            <a:schemeClr val="accent1"/>
-          </a:fillRef>
-          <a:effectRef idx="0">
-            <a:schemeClr val="accent1"/>
-          </a:effectRef>
-          <a:fontRef idx="minor">
-            <a:schemeClr val="lt1"/>
-          </a:fontRef>
-        </p:style>
-        <p:txBody>
-          <a:bodyPr rtlCol="0" anchor="ctr"/>
-          <a:lstStyle/>
-          <a:p>
-            <a:pPr algn="ctr"/>
-            <a:endParaRPr lang="en-US" dirty="0"/>
-          </a:p>
-        </p:txBody>
-      </p:sp>
-      <p:sp>
-        <p:nvSpPr>
-          <p:cNvPr id="9" name="Rectangle 8">
-            <a:extLst>
-              <a:ext uri="{FF2B5EF4-FFF2-40B4-BE49-F238E27FC236}">
-                <a16:creationId xmlns:a16="http://schemas.microsoft.com/office/drawing/2014/main" id="{35FA1655-AF59-564B-A7BB-3E11DAEFBF58}"/>
-              </a:ext>
-            </a:extLst>
-          </p:cNvPr>
-          <p:cNvSpPr/>
-          <p:nvPr/>
-        </p:nvSpPr>
-        <p:spPr>
-          <a:xfrm>
-            <a:off x="7285972" y="4888534"/>
-            <a:ext cx="274320" cy="91440"/>
-          </a:xfrm>
-          <a:prstGeom prst="rect">
-            <a:avLst/>
-          </a:prstGeom>
-          <a:solidFill>
-            <a:srgbClr val="994489"/>
-          </a:solidFill>
-          <a:ln>
-            <a:noFill/>
-          </a:ln>
-        </p:spPr>
-        <p:style>
-          <a:lnRef idx="2">
-            <a:schemeClr val="accent1">
-              <a:shade val="50000"/>
-            </a:schemeClr>
-          </a:lnRef>
-          <a:fillRef idx="1">
-            <a:schemeClr val="accent1"/>
-          </a:fillRef>
-          <a:effectRef idx="0">
-            <a:schemeClr val="accent1"/>
-          </a:effectRef>
-          <a:fontRef idx="minor">
-            <a:schemeClr val="lt1"/>
-          </a:fontRef>
-        </p:style>
-        <p:txBody>
-          <a:bodyPr rtlCol="0" anchor="ctr"/>
-          <a:lstStyle/>
-          <a:p>
-            <a:pPr algn="ctr"/>
-            <a:endParaRPr lang="en-US" dirty="0"/>
-          </a:p>
-        </p:txBody>
-      </p:sp>
-      <p:sp>
-        <p:nvSpPr>
-          <p:cNvPr id="10" name="Rectangle 9">
-            <a:extLst>
-              <a:ext uri="{FF2B5EF4-FFF2-40B4-BE49-F238E27FC236}">
-                <a16:creationId xmlns:a16="http://schemas.microsoft.com/office/drawing/2014/main" id="{9B97CC05-2511-6448-84FC-5D0AE48C48B4}"/>
-              </a:ext>
-            </a:extLst>
-          </p:cNvPr>
-          <p:cNvSpPr/>
-          <p:nvPr/>
-        </p:nvSpPr>
-        <p:spPr>
-          <a:xfrm>
-            <a:off x="7690342" y="4888534"/>
-            <a:ext cx="274320" cy="91440"/>
-          </a:xfrm>
-          <a:prstGeom prst="rect">
-            <a:avLst/>
-          </a:prstGeom>
-          <a:solidFill>
-            <a:srgbClr val="994489"/>
-          </a:solidFill>
-          <a:ln>
-            <a:noFill/>
-          </a:ln>
-        </p:spPr>
-        <p:style>
-          <a:lnRef idx="2">
-            <a:schemeClr val="accent1">
-              <a:shade val="50000"/>
-            </a:schemeClr>
-          </a:lnRef>
-          <a:fillRef idx="1">
-            <a:schemeClr val="accent1"/>
-          </a:fillRef>
-          <a:effectRef idx="0">
-            <a:schemeClr val="accent1"/>
-          </a:effectRef>
-          <a:fontRef idx="minor">
-            <a:schemeClr val="lt1"/>
-          </a:fontRef>
-        </p:style>
-        <p:txBody>
-          <a:bodyPr rtlCol="0" anchor="ctr"/>
-          <a:lstStyle/>
-          <a:p>
-            <a:pPr algn="ctr"/>
-            <a:endParaRPr lang="en-US" dirty="0"/>
           </a:p>
         </p:txBody>
       </p:sp>
@@ -13982,12 +13778,12 @@
   </p:clrMapOvr>
   <mc:AlternateContent xmlns:mc="http://schemas.openxmlformats.org/markup-compatibility/2006">
     <mc:Choice xmlns:p14="http://schemas.microsoft.com/office/powerpoint/2010/main" Requires="p14">
-      <p:transition p14:dur="250" advClick="0" advTm="100">
+      <p:transition spd="slow" p14:dur="1500" advClick="0" advTm="1000">
         <p:fade/>
       </p:transition>
     </mc:Choice>
     <mc:Fallback>
-      <p:transition advClick="0" advTm="100">
+      <p:transition spd="slow" advClick="0" advTm="1000">
         <p:fade/>
       </p:transition>
     </mc:Fallback>
@@ -14109,473 +13905,10 @@
           </a:prstGeom>
         </p:spPr>
       </p:pic>
-      <p:sp>
-        <p:nvSpPr>
-          <p:cNvPr id="5" name="Subtitle 2">
-            <a:extLst>
-              <a:ext uri="{FF2B5EF4-FFF2-40B4-BE49-F238E27FC236}">
-                <a16:creationId xmlns:a16="http://schemas.microsoft.com/office/drawing/2014/main" id="{5A0AB1ED-7DAB-2C4F-BBE5-087ADCCAF858}"/>
-              </a:ext>
-            </a:extLst>
-          </p:cNvPr>
-          <p:cNvSpPr txBox="1">
-            <a:spLocks/>
-          </p:cNvSpPr>
-          <p:nvPr/>
-        </p:nvSpPr>
-        <p:spPr bwMode="gray">
-          <a:xfrm>
-            <a:off x="5471632" y="4487676"/>
-            <a:ext cx="2564330" cy="861420"/>
-          </a:xfrm>
-          <a:prstGeom prst="rect">
-            <a:avLst/>
-          </a:prstGeom>
-        </p:spPr>
-        <p:txBody>
-          <a:bodyPr vert="horz" lIns="91440" tIns="45720" rIns="91440" bIns="45720" rtlCol="0" anchor="t">
-            <a:normAutofit/>
-          </a:bodyPr>
-          <a:lstStyle>
-            <a:lvl1pPr marL="0" indent="0" algn="l" defTabSz="457200" rtl="0" eaLnBrk="1" latinLnBrk="0" hangingPunct="1">
-              <a:spcBef>
-                <a:spcPts val="1000"/>
-              </a:spcBef>
-              <a:spcAft>
-                <a:spcPts val="0"/>
-              </a:spcAft>
-              <a:buClr>
-                <a:schemeClr val="accent1"/>
-              </a:buClr>
-              <a:buSzPct val="80000"/>
-              <a:buFont typeface="Wingdings 3" charset="2"/>
-              <a:buNone/>
-              <a:defRPr sz="1800" b="0" i="0" kern="1200" cap="all">
-                <a:solidFill>
-                  <a:schemeClr val="accent1">
-                    <a:lumMod val="60000"/>
-                    <a:lumOff val="40000"/>
-                  </a:schemeClr>
-                </a:solidFill>
-                <a:latin typeface="+mn-lt"/>
-                <a:ea typeface="+mn-ea"/>
-                <a:cs typeface="+mn-cs"/>
-              </a:defRPr>
-            </a:lvl1pPr>
-            <a:lvl2pPr marL="457200" indent="0" algn="ctr" defTabSz="457200" rtl="0" eaLnBrk="1" latinLnBrk="0" hangingPunct="1">
-              <a:spcBef>
-                <a:spcPts val="1000"/>
-              </a:spcBef>
-              <a:spcAft>
-                <a:spcPts val="0"/>
-              </a:spcAft>
-              <a:buClr>
-                <a:schemeClr val="accent1"/>
-              </a:buClr>
-              <a:buSzPct val="80000"/>
-              <a:buFont typeface="Wingdings 3" charset="2"/>
-              <a:buNone/>
-              <a:defRPr sz="1600" b="0" i="0" kern="1200">
-                <a:solidFill>
-                  <a:schemeClr val="tx1">
-                    <a:tint val="75000"/>
-                  </a:schemeClr>
-                </a:solidFill>
-                <a:latin typeface="+mn-lt"/>
-                <a:ea typeface="+mn-ea"/>
-                <a:cs typeface="+mn-cs"/>
-              </a:defRPr>
-            </a:lvl2pPr>
-            <a:lvl3pPr marL="914400" indent="0" algn="ctr" defTabSz="457200" rtl="0" eaLnBrk="1" latinLnBrk="0" hangingPunct="1">
-              <a:spcBef>
-                <a:spcPts val="1000"/>
-              </a:spcBef>
-              <a:spcAft>
-                <a:spcPts val="0"/>
-              </a:spcAft>
-              <a:buClr>
-                <a:schemeClr val="accent1"/>
-              </a:buClr>
-              <a:buSzPct val="80000"/>
-              <a:buFont typeface="Wingdings 3" charset="2"/>
-              <a:buNone/>
-              <a:defRPr sz="1400" b="0" i="0" kern="1200">
-                <a:solidFill>
-                  <a:schemeClr val="tx1">
-                    <a:tint val="75000"/>
-                  </a:schemeClr>
-                </a:solidFill>
-                <a:latin typeface="+mn-lt"/>
-                <a:ea typeface="+mn-ea"/>
-                <a:cs typeface="+mn-cs"/>
-              </a:defRPr>
-            </a:lvl3pPr>
-            <a:lvl4pPr marL="1371600" indent="0" algn="ctr" defTabSz="457200" rtl="0" eaLnBrk="1" latinLnBrk="0" hangingPunct="1">
-              <a:spcBef>
-                <a:spcPts val="1000"/>
-              </a:spcBef>
-              <a:spcAft>
-                <a:spcPts val="0"/>
-              </a:spcAft>
-              <a:buClr>
-                <a:schemeClr val="accent1"/>
-              </a:buClr>
-              <a:buSzPct val="80000"/>
-              <a:buFont typeface="Wingdings 3" charset="2"/>
-              <a:buNone/>
-              <a:defRPr sz="1200" b="0" i="0" kern="1200">
-                <a:solidFill>
-                  <a:schemeClr val="tx1">
-                    <a:tint val="75000"/>
-                  </a:schemeClr>
-                </a:solidFill>
-                <a:latin typeface="+mn-lt"/>
-                <a:ea typeface="+mn-ea"/>
-                <a:cs typeface="+mn-cs"/>
-              </a:defRPr>
-            </a:lvl4pPr>
-            <a:lvl5pPr marL="1828800" indent="0" algn="ctr" defTabSz="457200" rtl="0" eaLnBrk="1" latinLnBrk="0" hangingPunct="1">
-              <a:spcBef>
-                <a:spcPts val="1000"/>
-              </a:spcBef>
-              <a:spcAft>
-                <a:spcPts val="0"/>
-              </a:spcAft>
-              <a:buClr>
-                <a:schemeClr val="accent1"/>
-              </a:buClr>
-              <a:buSzPct val="80000"/>
-              <a:buFont typeface="Wingdings 3" charset="2"/>
-              <a:buNone/>
-              <a:defRPr sz="1200" b="0" i="0" kern="1200">
-                <a:solidFill>
-                  <a:schemeClr val="tx1">
-                    <a:tint val="75000"/>
-                  </a:schemeClr>
-                </a:solidFill>
-                <a:latin typeface="+mn-lt"/>
-                <a:ea typeface="+mn-ea"/>
-                <a:cs typeface="+mn-cs"/>
-              </a:defRPr>
-            </a:lvl5pPr>
-            <a:lvl6pPr marL="2286000" indent="0" algn="ctr" defTabSz="457200" rtl="0" eaLnBrk="1" latinLnBrk="0" hangingPunct="1">
-              <a:spcBef>
-                <a:spcPts val="1000"/>
-              </a:spcBef>
-              <a:spcAft>
-                <a:spcPts val="0"/>
-              </a:spcAft>
-              <a:buClr>
-                <a:schemeClr val="accent1"/>
-              </a:buClr>
-              <a:buSzPct val="80000"/>
-              <a:buFont typeface="Wingdings 3" charset="2"/>
-              <a:buNone/>
-              <a:defRPr sz="1200" b="0" i="0" kern="1200">
-                <a:solidFill>
-                  <a:schemeClr val="tx1">
-                    <a:tint val="75000"/>
-                  </a:schemeClr>
-                </a:solidFill>
-                <a:latin typeface="+mn-lt"/>
-                <a:ea typeface="+mn-ea"/>
-                <a:cs typeface="+mn-cs"/>
-              </a:defRPr>
-            </a:lvl6pPr>
-            <a:lvl7pPr marL="2743200" indent="0" algn="ctr" defTabSz="457200" rtl="0" eaLnBrk="1" latinLnBrk="0" hangingPunct="1">
-              <a:spcBef>
-                <a:spcPts val="1000"/>
-              </a:spcBef>
-              <a:spcAft>
-                <a:spcPts val="0"/>
-              </a:spcAft>
-              <a:buClr>
-                <a:schemeClr val="accent1"/>
-              </a:buClr>
-              <a:buSzPct val="80000"/>
-              <a:buFont typeface="Wingdings 3" charset="2"/>
-              <a:buNone/>
-              <a:defRPr sz="1200" b="0" i="0" kern="1200">
-                <a:solidFill>
-                  <a:schemeClr val="tx1">
-                    <a:tint val="75000"/>
-                  </a:schemeClr>
-                </a:solidFill>
-                <a:latin typeface="+mn-lt"/>
-                <a:ea typeface="+mn-ea"/>
-                <a:cs typeface="+mn-cs"/>
-              </a:defRPr>
-            </a:lvl7pPr>
-            <a:lvl8pPr marL="3200400" indent="0" algn="ctr" defTabSz="457200" rtl="0" eaLnBrk="1" latinLnBrk="0" hangingPunct="1">
-              <a:spcBef>
-                <a:spcPts val="1000"/>
-              </a:spcBef>
-              <a:spcAft>
-                <a:spcPts val="0"/>
-              </a:spcAft>
-              <a:buClr>
-                <a:schemeClr val="accent1"/>
-              </a:buClr>
-              <a:buSzPct val="80000"/>
-              <a:buFont typeface="Wingdings 3" charset="2"/>
-              <a:buNone/>
-              <a:defRPr sz="1200" b="0" i="0" kern="1200">
-                <a:solidFill>
-                  <a:schemeClr val="tx1">
-                    <a:tint val="75000"/>
-                  </a:schemeClr>
-                </a:solidFill>
-                <a:latin typeface="+mn-lt"/>
-                <a:ea typeface="+mn-ea"/>
-                <a:cs typeface="+mn-cs"/>
-              </a:defRPr>
-            </a:lvl8pPr>
-            <a:lvl9pPr marL="3657600" indent="0" algn="ctr" defTabSz="457200" rtl="0" eaLnBrk="1" latinLnBrk="0" hangingPunct="1">
-              <a:spcBef>
-                <a:spcPts val="1000"/>
-              </a:spcBef>
-              <a:spcAft>
-                <a:spcPts val="0"/>
-              </a:spcAft>
-              <a:buClr>
-                <a:schemeClr val="accent1"/>
-              </a:buClr>
-              <a:buSzPct val="80000"/>
-              <a:buFont typeface="Wingdings 3" charset="2"/>
-              <a:buNone/>
-              <a:defRPr sz="1200" b="0" i="0" kern="1200">
-                <a:solidFill>
-                  <a:schemeClr val="tx1">
-                    <a:tint val="75000"/>
-                  </a:schemeClr>
-                </a:solidFill>
-                <a:latin typeface="+mn-lt"/>
-                <a:ea typeface="+mn-ea"/>
-                <a:cs typeface="+mn-cs"/>
-              </a:defRPr>
-            </a:lvl9pPr>
-          </a:lstStyle>
-          <a:p>
-            <a:pPr algn="r"/>
-            <a:r>
-              <a:rPr lang="en-US" b="1" dirty="0"/>
-              <a:t>9 AM – 10 AM</a:t>
-            </a:r>
-          </a:p>
-        </p:txBody>
-      </p:sp>
-      <p:sp>
-        <p:nvSpPr>
-          <p:cNvPr id="10" name="Rectangle 9">
-            <a:extLst>
-              <a:ext uri="{FF2B5EF4-FFF2-40B4-BE49-F238E27FC236}">
-                <a16:creationId xmlns:a16="http://schemas.microsoft.com/office/drawing/2014/main" id="{34A30568-5128-FC45-BF58-3AA1B8B7F948}"/>
-              </a:ext>
-            </a:extLst>
-          </p:cNvPr>
-          <p:cNvSpPr/>
-          <p:nvPr/>
-        </p:nvSpPr>
-        <p:spPr>
-          <a:xfrm>
-            <a:off x="6477232" y="4888534"/>
-            <a:ext cx="274320" cy="91440"/>
-          </a:xfrm>
-          <a:prstGeom prst="rect">
-            <a:avLst/>
-          </a:prstGeom>
-          <a:solidFill>
-            <a:schemeClr val="accent6"/>
-          </a:solidFill>
-          <a:ln>
-            <a:noFill/>
-          </a:ln>
-        </p:spPr>
-        <p:style>
-          <a:lnRef idx="2">
-            <a:schemeClr val="accent1">
-              <a:shade val="50000"/>
-            </a:schemeClr>
-          </a:lnRef>
-          <a:fillRef idx="1">
-            <a:schemeClr val="accent1"/>
-          </a:fillRef>
-          <a:effectRef idx="0">
-            <a:schemeClr val="accent1"/>
-          </a:effectRef>
-          <a:fontRef idx="minor">
-            <a:schemeClr val="lt1"/>
-          </a:fontRef>
-        </p:style>
-        <p:txBody>
-          <a:bodyPr rtlCol="0" anchor="ctr"/>
-          <a:lstStyle/>
-          <a:p>
-            <a:pPr algn="ctr"/>
-            <a:endParaRPr lang="en-US" dirty="0"/>
-          </a:p>
-        </p:txBody>
-      </p:sp>
-      <p:sp>
-        <p:nvSpPr>
-          <p:cNvPr id="11" name="Rectangle 10">
-            <a:extLst>
-              <a:ext uri="{FF2B5EF4-FFF2-40B4-BE49-F238E27FC236}">
-                <a16:creationId xmlns:a16="http://schemas.microsoft.com/office/drawing/2014/main" id="{57E83E50-61D1-B74E-A657-9F199B1FFCCE}"/>
-              </a:ext>
-            </a:extLst>
-          </p:cNvPr>
-          <p:cNvSpPr/>
-          <p:nvPr/>
-        </p:nvSpPr>
-        <p:spPr>
-          <a:xfrm>
-            <a:off x="6881602" y="4888534"/>
-            <a:ext cx="274320" cy="91440"/>
-          </a:xfrm>
-          <a:prstGeom prst="rect">
-            <a:avLst/>
-          </a:prstGeom>
-          <a:solidFill>
-            <a:srgbClr val="994489"/>
-          </a:solidFill>
-          <a:ln>
-            <a:noFill/>
-          </a:ln>
-        </p:spPr>
-        <p:style>
-          <a:lnRef idx="2">
-            <a:schemeClr val="accent1">
-              <a:shade val="50000"/>
-            </a:schemeClr>
-          </a:lnRef>
-          <a:fillRef idx="1">
-            <a:schemeClr val="accent1"/>
-          </a:fillRef>
-          <a:effectRef idx="0">
-            <a:schemeClr val="accent1"/>
-          </a:effectRef>
-          <a:fontRef idx="minor">
-            <a:schemeClr val="lt1"/>
-          </a:fontRef>
-        </p:style>
-        <p:txBody>
-          <a:bodyPr rtlCol="0" anchor="ctr"/>
-          <a:lstStyle/>
-          <a:p>
-            <a:pPr algn="ctr"/>
-            <a:endParaRPr lang="en-US" dirty="0"/>
-          </a:p>
-        </p:txBody>
-      </p:sp>
-      <p:sp>
-        <p:nvSpPr>
-          <p:cNvPr id="12" name="Rectangle 11">
-            <a:extLst>
-              <a:ext uri="{FF2B5EF4-FFF2-40B4-BE49-F238E27FC236}">
-                <a16:creationId xmlns:a16="http://schemas.microsoft.com/office/drawing/2014/main" id="{D7135E7A-8BD4-504F-882A-732F0495F759}"/>
-              </a:ext>
-            </a:extLst>
-          </p:cNvPr>
-          <p:cNvSpPr/>
-          <p:nvPr/>
-        </p:nvSpPr>
-        <p:spPr>
-          <a:xfrm>
-            <a:off x="7285972" y="4888534"/>
-            <a:ext cx="274320" cy="91440"/>
-          </a:xfrm>
-          <a:prstGeom prst="rect">
-            <a:avLst/>
-          </a:prstGeom>
-          <a:solidFill>
-            <a:srgbClr val="994489"/>
-          </a:solidFill>
-          <a:ln>
-            <a:noFill/>
-          </a:ln>
-        </p:spPr>
-        <p:style>
-          <a:lnRef idx="2">
-            <a:schemeClr val="accent1">
-              <a:shade val="50000"/>
-            </a:schemeClr>
-          </a:lnRef>
-          <a:fillRef idx="1">
-            <a:schemeClr val="accent1"/>
-          </a:fillRef>
-          <a:effectRef idx="0">
-            <a:schemeClr val="accent1"/>
-          </a:effectRef>
-          <a:fontRef idx="minor">
-            <a:schemeClr val="lt1"/>
-          </a:fontRef>
-        </p:style>
-        <p:txBody>
-          <a:bodyPr rtlCol="0" anchor="ctr"/>
-          <a:lstStyle/>
-          <a:p>
-            <a:pPr algn="ctr"/>
-            <a:endParaRPr lang="en-US" dirty="0"/>
-          </a:p>
-        </p:txBody>
-      </p:sp>
-      <p:sp>
-        <p:nvSpPr>
-          <p:cNvPr id="13" name="Rectangle 12">
-            <a:extLst>
-              <a:ext uri="{FF2B5EF4-FFF2-40B4-BE49-F238E27FC236}">
-                <a16:creationId xmlns:a16="http://schemas.microsoft.com/office/drawing/2014/main" id="{0D4E302F-F03D-2843-B39F-B879191F03A0}"/>
-              </a:ext>
-            </a:extLst>
-          </p:cNvPr>
-          <p:cNvSpPr/>
-          <p:nvPr/>
-        </p:nvSpPr>
-        <p:spPr>
-          <a:xfrm>
-            <a:off x="7690342" y="4888534"/>
-            <a:ext cx="274320" cy="91440"/>
-          </a:xfrm>
-          <a:prstGeom prst="rect">
-            <a:avLst/>
-          </a:prstGeom>
-          <a:solidFill>
-            <a:srgbClr val="994489"/>
-          </a:solidFill>
-          <a:ln>
-            <a:noFill/>
-          </a:ln>
-        </p:spPr>
-        <p:style>
-          <a:lnRef idx="2">
-            <a:schemeClr val="accent1">
-              <a:shade val="50000"/>
-            </a:schemeClr>
-          </a:lnRef>
-          <a:fillRef idx="1">
-            <a:schemeClr val="accent1"/>
-          </a:fillRef>
-          <a:effectRef idx="0">
-            <a:schemeClr val="accent1"/>
-          </a:effectRef>
-          <a:fontRef idx="minor">
-            <a:schemeClr val="lt1"/>
-          </a:fontRef>
-        </p:style>
-        <p:txBody>
-          <a:bodyPr rtlCol="0" anchor="ctr"/>
-          <a:lstStyle/>
-          <a:p>
-            <a:pPr algn="ctr"/>
-            <a:endParaRPr lang="en-US" dirty="0"/>
-          </a:p>
-        </p:txBody>
-      </p:sp>
     </p:spTree>
     <p:extLst>
       <p:ext uri="{BB962C8B-B14F-4D97-AF65-F5344CB8AC3E}">
-        <p14:creationId xmlns:p14="http://schemas.microsoft.com/office/powerpoint/2010/main" val="1128340537"/>
+        <p14:creationId xmlns:p14="http://schemas.microsoft.com/office/powerpoint/2010/main" val="3340912536"/>
       </p:ext>
     </p:extLst>
   </p:cSld>
@@ -14584,2393 +13917,12 @@
   </p:clrMapOvr>
   <mc:AlternateContent xmlns:mc="http://schemas.openxmlformats.org/markup-compatibility/2006">
     <mc:Choice xmlns:p14="http://schemas.microsoft.com/office/powerpoint/2010/main" Requires="p14">
-      <p:transition p14:dur="250" advClick="0" advTm="500">
+      <p:transition spd="slow" p14:dur="1500" advClick="0" advTm="1000">
         <p:fade/>
       </p:transition>
     </mc:Choice>
     <mc:Fallback>
-      <p:transition advClick="0" advTm="500">
-        <p:fade/>
-      </p:transition>
-    </mc:Fallback>
-  </mc:AlternateContent>
-</p:sld>
-</file>
-
-<file path=ppt/slides/slide3.xml><?xml version="1.0" encoding="utf-8"?>
-<p:sld xmlns:a="http://schemas.openxmlformats.org/drawingml/2006/main" xmlns:r="http://schemas.openxmlformats.org/officeDocument/2006/relationships" xmlns:p="http://schemas.openxmlformats.org/presentationml/2006/main">
-  <p:cSld>
-    <p:spTree>
-      <p:nvGrpSpPr>
-        <p:cNvPr id="1" name=""/>
-        <p:cNvGrpSpPr/>
-        <p:nvPr/>
-      </p:nvGrpSpPr>
-      <p:grpSpPr>
-        <a:xfrm>
-          <a:off x="0" y="0"/>
-          <a:ext cx="0" cy="0"/>
-          <a:chOff x="0" y="0"/>
-          <a:chExt cx="0" cy="0"/>
-        </a:xfrm>
-      </p:grpSpPr>
-      <p:sp>
-        <p:nvSpPr>
-          <p:cNvPr id="2" name="Title 1">
-            <a:extLst>
-              <a:ext uri="{FF2B5EF4-FFF2-40B4-BE49-F238E27FC236}">
-                <a16:creationId xmlns:a16="http://schemas.microsoft.com/office/drawing/2014/main" id="{825DF813-D0E3-4F45-872D-6E96D6FA2A77}"/>
-              </a:ext>
-            </a:extLst>
-          </p:cNvPr>
-          <p:cNvSpPr>
-            <a:spLocks noGrp="1"/>
-          </p:cNvSpPr>
-          <p:nvPr>
-            <p:ph type="ctrTitle"/>
-          </p:nvPr>
-        </p:nvSpPr>
-        <p:spPr>
-          <a:xfrm>
-            <a:off x="1154955" y="1519173"/>
-            <a:ext cx="8825658" cy="2677648"/>
-          </a:xfrm>
-        </p:spPr>
-        <p:txBody>
-          <a:bodyPr/>
-          <a:lstStyle/>
-          <a:p>
-            <a:r>
-              <a:rPr lang="en-US" dirty="0"/>
-              <a:t>Saturday           Club</a:t>
-            </a:r>
-          </a:p>
-        </p:txBody>
-      </p:sp>
-      <p:sp>
-        <p:nvSpPr>
-          <p:cNvPr id="3" name="Subtitle 2">
-            <a:extLst>
-              <a:ext uri="{FF2B5EF4-FFF2-40B4-BE49-F238E27FC236}">
-                <a16:creationId xmlns:a16="http://schemas.microsoft.com/office/drawing/2014/main" id="{067A91CE-B398-6D4B-B5C1-1E644EB021D3}"/>
-              </a:ext>
-            </a:extLst>
-          </p:cNvPr>
-          <p:cNvSpPr>
-            <a:spLocks noGrp="1"/>
-          </p:cNvSpPr>
-          <p:nvPr>
-            <p:ph type="subTitle" idx="1"/>
-          </p:nvPr>
-        </p:nvSpPr>
-        <p:spPr>
-          <a:xfrm>
-            <a:off x="1154955" y="4056966"/>
-            <a:ext cx="6881007" cy="861420"/>
-          </a:xfrm>
-        </p:spPr>
-        <p:txBody>
-          <a:bodyPr/>
-          <a:lstStyle/>
-          <a:p>
-            <a:pPr algn="r"/>
-            <a:r>
-              <a:rPr lang="en-US" dirty="0"/>
-              <a:t>LOYOLA UNIVERSITY CHICAGO</a:t>
-            </a:r>
-          </a:p>
-        </p:txBody>
-      </p:sp>
-      <p:pic>
-        <p:nvPicPr>
-          <p:cNvPr id="6" name="Picture 5" descr="A picture containing drawing, food, light, shirt&#10;&#10;Description automatically generated">
-            <a:extLst>
-              <a:ext uri="{FF2B5EF4-FFF2-40B4-BE49-F238E27FC236}">
-                <a16:creationId xmlns:a16="http://schemas.microsoft.com/office/drawing/2014/main" id="{D8F7DF7E-0156-6044-85B5-D21BEF3C4990}"/>
-              </a:ext>
-            </a:extLst>
-          </p:cNvPr>
-          <p:cNvPicPr>
-            <a:picLocks noChangeAspect="1"/>
-          </p:cNvPicPr>
-          <p:nvPr/>
-        </p:nvPicPr>
-        <p:blipFill>
-          <a:blip r:embed="rId2"/>
-          <a:stretch>
-            <a:fillRect/>
-          </a:stretch>
-        </p:blipFill>
-        <p:spPr>
-          <a:xfrm>
-            <a:off x="3719285" y="1132850"/>
-            <a:ext cx="3175000" cy="3175000"/>
-          </a:xfrm>
-          <a:prstGeom prst="rect">
-            <a:avLst/>
-          </a:prstGeom>
-        </p:spPr>
-      </p:pic>
-      <p:sp>
-        <p:nvSpPr>
-          <p:cNvPr id="5" name="Subtitle 2">
-            <a:extLst>
-              <a:ext uri="{FF2B5EF4-FFF2-40B4-BE49-F238E27FC236}">
-                <a16:creationId xmlns:a16="http://schemas.microsoft.com/office/drawing/2014/main" id="{5A0AB1ED-7DAB-2C4F-BBE5-087ADCCAF858}"/>
-              </a:ext>
-            </a:extLst>
-          </p:cNvPr>
-          <p:cNvSpPr txBox="1">
-            <a:spLocks/>
-          </p:cNvSpPr>
-          <p:nvPr/>
-        </p:nvSpPr>
-        <p:spPr bwMode="gray">
-          <a:xfrm>
-            <a:off x="5471632" y="4487676"/>
-            <a:ext cx="2564330" cy="861420"/>
-          </a:xfrm>
-          <a:prstGeom prst="rect">
-            <a:avLst/>
-          </a:prstGeom>
-        </p:spPr>
-        <p:txBody>
-          <a:bodyPr vert="horz" lIns="91440" tIns="45720" rIns="91440" bIns="45720" rtlCol="0" anchor="t">
-            <a:normAutofit/>
-          </a:bodyPr>
-          <a:lstStyle>
-            <a:lvl1pPr marL="0" indent="0" algn="l" defTabSz="457200" rtl="0" eaLnBrk="1" latinLnBrk="0" hangingPunct="1">
-              <a:spcBef>
-                <a:spcPts val="1000"/>
-              </a:spcBef>
-              <a:spcAft>
-                <a:spcPts val="0"/>
-              </a:spcAft>
-              <a:buClr>
-                <a:schemeClr val="accent1"/>
-              </a:buClr>
-              <a:buSzPct val="80000"/>
-              <a:buFont typeface="Wingdings 3" charset="2"/>
-              <a:buNone/>
-              <a:defRPr sz="1800" b="0" i="0" kern="1200" cap="all">
-                <a:solidFill>
-                  <a:schemeClr val="accent1">
-                    <a:lumMod val="60000"/>
-                    <a:lumOff val="40000"/>
-                  </a:schemeClr>
-                </a:solidFill>
-                <a:latin typeface="+mn-lt"/>
-                <a:ea typeface="+mn-ea"/>
-                <a:cs typeface="+mn-cs"/>
-              </a:defRPr>
-            </a:lvl1pPr>
-            <a:lvl2pPr marL="457200" indent="0" algn="ctr" defTabSz="457200" rtl="0" eaLnBrk="1" latinLnBrk="0" hangingPunct="1">
-              <a:spcBef>
-                <a:spcPts val="1000"/>
-              </a:spcBef>
-              <a:spcAft>
-                <a:spcPts val="0"/>
-              </a:spcAft>
-              <a:buClr>
-                <a:schemeClr val="accent1"/>
-              </a:buClr>
-              <a:buSzPct val="80000"/>
-              <a:buFont typeface="Wingdings 3" charset="2"/>
-              <a:buNone/>
-              <a:defRPr sz="1600" b="0" i="0" kern="1200">
-                <a:solidFill>
-                  <a:schemeClr val="tx1">
-                    <a:tint val="75000"/>
-                  </a:schemeClr>
-                </a:solidFill>
-                <a:latin typeface="+mn-lt"/>
-                <a:ea typeface="+mn-ea"/>
-                <a:cs typeface="+mn-cs"/>
-              </a:defRPr>
-            </a:lvl2pPr>
-            <a:lvl3pPr marL="914400" indent="0" algn="ctr" defTabSz="457200" rtl="0" eaLnBrk="1" latinLnBrk="0" hangingPunct="1">
-              <a:spcBef>
-                <a:spcPts val="1000"/>
-              </a:spcBef>
-              <a:spcAft>
-                <a:spcPts val="0"/>
-              </a:spcAft>
-              <a:buClr>
-                <a:schemeClr val="accent1"/>
-              </a:buClr>
-              <a:buSzPct val="80000"/>
-              <a:buFont typeface="Wingdings 3" charset="2"/>
-              <a:buNone/>
-              <a:defRPr sz="1400" b="0" i="0" kern="1200">
-                <a:solidFill>
-                  <a:schemeClr val="tx1">
-                    <a:tint val="75000"/>
-                  </a:schemeClr>
-                </a:solidFill>
-                <a:latin typeface="+mn-lt"/>
-                <a:ea typeface="+mn-ea"/>
-                <a:cs typeface="+mn-cs"/>
-              </a:defRPr>
-            </a:lvl3pPr>
-            <a:lvl4pPr marL="1371600" indent="0" algn="ctr" defTabSz="457200" rtl="0" eaLnBrk="1" latinLnBrk="0" hangingPunct="1">
-              <a:spcBef>
-                <a:spcPts val="1000"/>
-              </a:spcBef>
-              <a:spcAft>
-                <a:spcPts val="0"/>
-              </a:spcAft>
-              <a:buClr>
-                <a:schemeClr val="accent1"/>
-              </a:buClr>
-              <a:buSzPct val="80000"/>
-              <a:buFont typeface="Wingdings 3" charset="2"/>
-              <a:buNone/>
-              <a:defRPr sz="1200" b="0" i="0" kern="1200">
-                <a:solidFill>
-                  <a:schemeClr val="tx1">
-                    <a:tint val="75000"/>
-                  </a:schemeClr>
-                </a:solidFill>
-                <a:latin typeface="+mn-lt"/>
-                <a:ea typeface="+mn-ea"/>
-                <a:cs typeface="+mn-cs"/>
-              </a:defRPr>
-            </a:lvl4pPr>
-            <a:lvl5pPr marL="1828800" indent="0" algn="ctr" defTabSz="457200" rtl="0" eaLnBrk="1" latinLnBrk="0" hangingPunct="1">
-              <a:spcBef>
-                <a:spcPts val="1000"/>
-              </a:spcBef>
-              <a:spcAft>
-                <a:spcPts val="0"/>
-              </a:spcAft>
-              <a:buClr>
-                <a:schemeClr val="accent1"/>
-              </a:buClr>
-              <a:buSzPct val="80000"/>
-              <a:buFont typeface="Wingdings 3" charset="2"/>
-              <a:buNone/>
-              <a:defRPr sz="1200" b="0" i="0" kern="1200">
-                <a:solidFill>
-                  <a:schemeClr val="tx1">
-                    <a:tint val="75000"/>
-                  </a:schemeClr>
-                </a:solidFill>
-                <a:latin typeface="+mn-lt"/>
-                <a:ea typeface="+mn-ea"/>
-                <a:cs typeface="+mn-cs"/>
-              </a:defRPr>
-            </a:lvl5pPr>
-            <a:lvl6pPr marL="2286000" indent="0" algn="ctr" defTabSz="457200" rtl="0" eaLnBrk="1" latinLnBrk="0" hangingPunct="1">
-              <a:spcBef>
-                <a:spcPts val="1000"/>
-              </a:spcBef>
-              <a:spcAft>
-                <a:spcPts val="0"/>
-              </a:spcAft>
-              <a:buClr>
-                <a:schemeClr val="accent1"/>
-              </a:buClr>
-              <a:buSzPct val="80000"/>
-              <a:buFont typeface="Wingdings 3" charset="2"/>
-              <a:buNone/>
-              <a:defRPr sz="1200" b="0" i="0" kern="1200">
-                <a:solidFill>
-                  <a:schemeClr val="tx1">
-                    <a:tint val="75000"/>
-                  </a:schemeClr>
-                </a:solidFill>
-                <a:latin typeface="+mn-lt"/>
-                <a:ea typeface="+mn-ea"/>
-                <a:cs typeface="+mn-cs"/>
-              </a:defRPr>
-            </a:lvl6pPr>
-            <a:lvl7pPr marL="2743200" indent="0" algn="ctr" defTabSz="457200" rtl="0" eaLnBrk="1" latinLnBrk="0" hangingPunct="1">
-              <a:spcBef>
-                <a:spcPts val="1000"/>
-              </a:spcBef>
-              <a:spcAft>
-                <a:spcPts val="0"/>
-              </a:spcAft>
-              <a:buClr>
-                <a:schemeClr val="accent1"/>
-              </a:buClr>
-              <a:buSzPct val="80000"/>
-              <a:buFont typeface="Wingdings 3" charset="2"/>
-              <a:buNone/>
-              <a:defRPr sz="1200" b="0" i="0" kern="1200">
-                <a:solidFill>
-                  <a:schemeClr val="tx1">
-                    <a:tint val="75000"/>
-                  </a:schemeClr>
-                </a:solidFill>
-                <a:latin typeface="+mn-lt"/>
-                <a:ea typeface="+mn-ea"/>
-                <a:cs typeface="+mn-cs"/>
-              </a:defRPr>
-            </a:lvl7pPr>
-            <a:lvl8pPr marL="3200400" indent="0" algn="ctr" defTabSz="457200" rtl="0" eaLnBrk="1" latinLnBrk="0" hangingPunct="1">
-              <a:spcBef>
-                <a:spcPts val="1000"/>
-              </a:spcBef>
-              <a:spcAft>
-                <a:spcPts val="0"/>
-              </a:spcAft>
-              <a:buClr>
-                <a:schemeClr val="accent1"/>
-              </a:buClr>
-              <a:buSzPct val="80000"/>
-              <a:buFont typeface="Wingdings 3" charset="2"/>
-              <a:buNone/>
-              <a:defRPr sz="1200" b="0" i="0" kern="1200">
-                <a:solidFill>
-                  <a:schemeClr val="tx1">
-                    <a:tint val="75000"/>
-                  </a:schemeClr>
-                </a:solidFill>
-                <a:latin typeface="+mn-lt"/>
-                <a:ea typeface="+mn-ea"/>
-                <a:cs typeface="+mn-cs"/>
-              </a:defRPr>
-            </a:lvl8pPr>
-            <a:lvl9pPr marL="3657600" indent="0" algn="ctr" defTabSz="457200" rtl="0" eaLnBrk="1" latinLnBrk="0" hangingPunct="1">
-              <a:spcBef>
-                <a:spcPts val="1000"/>
-              </a:spcBef>
-              <a:spcAft>
-                <a:spcPts val="0"/>
-              </a:spcAft>
-              <a:buClr>
-                <a:schemeClr val="accent1"/>
-              </a:buClr>
-              <a:buSzPct val="80000"/>
-              <a:buFont typeface="Wingdings 3" charset="2"/>
-              <a:buNone/>
-              <a:defRPr sz="1200" b="0" i="0" kern="1200">
-                <a:solidFill>
-                  <a:schemeClr val="tx1">
-                    <a:tint val="75000"/>
-                  </a:schemeClr>
-                </a:solidFill>
-                <a:latin typeface="+mn-lt"/>
-                <a:ea typeface="+mn-ea"/>
-                <a:cs typeface="+mn-cs"/>
-              </a:defRPr>
-            </a:lvl9pPr>
-          </a:lstStyle>
-          <a:p>
-            <a:pPr algn="r"/>
-            <a:r>
-              <a:rPr lang="en-US" b="1" dirty="0"/>
-              <a:t>9 AM – 10 AM</a:t>
-            </a:r>
-          </a:p>
-        </p:txBody>
-      </p:sp>
-      <p:sp>
-        <p:nvSpPr>
-          <p:cNvPr id="4" name="Rectangle 3">
-            <a:extLst>
-              <a:ext uri="{FF2B5EF4-FFF2-40B4-BE49-F238E27FC236}">
-                <a16:creationId xmlns:a16="http://schemas.microsoft.com/office/drawing/2014/main" id="{75EB4702-8FF9-E548-B316-3921ED0CA012}"/>
-              </a:ext>
-            </a:extLst>
-          </p:cNvPr>
-          <p:cNvSpPr/>
-          <p:nvPr/>
-        </p:nvSpPr>
-        <p:spPr>
-          <a:xfrm>
-            <a:off x="6477232" y="4888534"/>
-            <a:ext cx="274320" cy="91440"/>
-          </a:xfrm>
-          <a:prstGeom prst="rect">
-            <a:avLst/>
-          </a:prstGeom>
-          <a:ln>
-            <a:noFill/>
-          </a:ln>
-        </p:spPr>
-        <p:style>
-          <a:lnRef idx="2">
-            <a:schemeClr val="accent1">
-              <a:shade val="50000"/>
-            </a:schemeClr>
-          </a:lnRef>
-          <a:fillRef idx="1">
-            <a:schemeClr val="accent1"/>
-          </a:fillRef>
-          <a:effectRef idx="0">
-            <a:schemeClr val="accent1"/>
-          </a:effectRef>
-          <a:fontRef idx="minor">
-            <a:schemeClr val="lt1"/>
-          </a:fontRef>
-        </p:style>
-        <p:txBody>
-          <a:bodyPr rtlCol="0" anchor="ctr"/>
-          <a:lstStyle/>
-          <a:p>
-            <a:pPr algn="ctr"/>
-            <a:endParaRPr lang="en-US" dirty="0"/>
-          </a:p>
-        </p:txBody>
-      </p:sp>
-      <p:sp>
-        <p:nvSpPr>
-          <p:cNvPr id="10" name="Rectangle 9">
-            <a:extLst>
-              <a:ext uri="{FF2B5EF4-FFF2-40B4-BE49-F238E27FC236}">
-                <a16:creationId xmlns:a16="http://schemas.microsoft.com/office/drawing/2014/main" id="{34A30568-5128-FC45-BF58-3AA1B8B7F948}"/>
-              </a:ext>
-            </a:extLst>
-          </p:cNvPr>
-          <p:cNvSpPr/>
-          <p:nvPr/>
-        </p:nvSpPr>
-        <p:spPr>
-          <a:xfrm>
-            <a:off x="6881602" y="4888339"/>
-            <a:ext cx="274320" cy="91440"/>
-          </a:xfrm>
-          <a:prstGeom prst="rect">
-            <a:avLst/>
-          </a:prstGeom>
-          <a:solidFill>
-            <a:schemeClr val="accent6"/>
-          </a:solidFill>
-          <a:ln>
-            <a:noFill/>
-          </a:ln>
-        </p:spPr>
-        <p:style>
-          <a:lnRef idx="2">
-            <a:schemeClr val="accent1">
-              <a:shade val="50000"/>
-            </a:schemeClr>
-          </a:lnRef>
-          <a:fillRef idx="1">
-            <a:schemeClr val="accent1"/>
-          </a:fillRef>
-          <a:effectRef idx="0">
-            <a:schemeClr val="accent1"/>
-          </a:effectRef>
-          <a:fontRef idx="minor">
-            <a:schemeClr val="lt1"/>
-          </a:fontRef>
-        </p:style>
-        <p:txBody>
-          <a:bodyPr rtlCol="0" anchor="ctr"/>
-          <a:lstStyle/>
-          <a:p>
-            <a:pPr algn="ctr"/>
-            <a:endParaRPr lang="en-US" dirty="0"/>
-          </a:p>
-        </p:txBody>
-      </p:sp>
-      <p:sp>
-        <p:nvSpPr>
-          <p:cNvPr id="8" name="Rectangle 7">
-            <a:extLst>
-              <a:ext uri="{FF2B5EF4-FFF2-40B4-BE49-F238E27FC236}">
-                <a16:creationId xmlns:a16="http://schemas.microsoft.com/office/drawing/2014/main" id="{BB5E2E54-49A6-D948-A90E-DAD2A0EF6EC6}"/>
-              </a:ext>
-            </a:extLst>
-          </p:cNvPr>
-          <p:cNvSpPr/>
-          <p:nvPr/>
-        </p:nvSpPr>
-        <p:spPr>
-          <a:xfrm>
-            <a:off x="7285972" y="4888534"/>
-            <a:ext cx="274320" cy="91440"/>
-          </a:xfrm>
-          <a:prstGeom prst="rect">
-            <a:avLst/>
-          </a:prstGeom>
-          <a:solidFill>
-            <a:srgbClr val="994489"/>
-          </a:solidFill>
-          <a:ln>
-            <a:noFill/>
-          </a:ln>
-        </p:spPr>
-        <p:style>
-          <a:lnRef idx="2">
-            <a:schemeClr val="accent1">
-              <a:shade val="50000"/>
-            </a:schemeClr>
-          </a:lnRef>
-          <a:fillRef idx="1">
-            <a:schemeClr val="accent1"/>
-          </a:fillRef>
-          <a:effectRef idx="0">
-            <a:schemeClr val="accent1"/>
-          </a:effectRef>
-          <a:fontRef idx="minor">
-            <a:schemeClr val="lt1"/>
-          </a:fontRef>
-        </p:style>
-        <p:txBody>
-          <a:bodyPr rtlCol="0" anchor="ctr"/>
-          <a:lstStyle/>
-          <a:p>
-            <a:pPr algn="ctr"/>
-            <a:endParaRPr lang="en-US" dirty="0"/>
-          </a:p>
-        </p:txBody>
-      </p:sp>
-      <p:sp>
-        <p:nvSpPr>
-          <p:cNvPr id="9" name="Rectangle 8">
-            <a:extLst>
-              <a:ext uri="{FF2B5EF4-FFF2-40B4-BE49-F238E27FC236}">
-                <a16:creationId xmlns:a16="http://schemas.microsoft.com/office/drawing/2014/main" id="{B307CA03-2495-9848-9AEF-801B151130CA}"/>
-              </a:ext>
-            </a:extLst>
-          </p:cNvPr>
-          <p:cNvSpPr/>
-          <p:nvPr/>
-        </p:nvSpPr>
-        <p:spPr>
-          <a:xfrm>
-            <a:off x="7690342" y="4888534"/>
-            <a:ext cx="274320" cy="91440"/>
-          </a:xfrm>
-          <a:prstGeom prst="rect">
-            <a:avLst/>
-          </a:prstGeom>
-          <a:solidFill>
-            <a:srgbClr val="994489"/>
-          </a:solidFill>
-          <a:ln>
-            <a:noFill/>
-          </a:ln>
-        </p:spPr>
-        <p:style>
-          <a:lnRef idx="2">
-            <a:schemeClr val="accent1">
-              <a:shade val="50000"/>
-            </a:schemeClr>
-          </a:lnRef>
-          <a:fillRef idx="1">
-            <a:schemeClr val="accent1"/>
-          </a:fillRef>
-          <a:effectRef idx="0">
-            <a:schemeClr val="accent1"/>
-          </a:effectRef>
-          <a:fontRef idx="minor">
-            <a:schemeClr val="lt1"/>
-          </a:fontRef>
-        </p:style>
-        <p:txBody>
-          <a:bodyPr rtlCol="0" anchor="ctr"/>
-          <a:lstStyle/>
-          <a:p>
-            <a:pPr algn="ctr"/>
-            <a:endParaRPr lang="en-US" dirty="0"/>
-          </a:p>
-        </p:txBody>
-      </p:sp>
-    </p:spTree>
-    <p:extLst>
-      <p:ext uri="{BB962C8B-B14F-4D97-AF65-F5344CB8AC3E}">
-        <p14:creationId xmlns:p14="http://schemas.microsoft.com/office/powerpoint/2010/main" val="2942562916"/>
-      </p:ext>
-    </p:extLst>
-  </p:cSld>
-  <p:clrMapOvr>
-    <a:masterClrMapping/>
-  </p:clrMapOvr>
-  <mc:AlternateContent xmlns:mc="http://schemas.openxmlformats.org/markup-compatibility/2006">
-    <mc:Choice xmlns:p14="http://schemas.microsoft.com/office/powerpoint/2010/main" Requires="p14">
-      <p:transition p14:dur="250" advClick="0" advTm="500">
-        <p:fade/>
-      </p:transition>
-    </mc:Choice>
-    <mc:Fallback>
-      <p:transition advClick="0" advTm="500">
-        <p:fade/>
-      </p:transition>
-    </mc:Fallback>
-  </mc:AlternateContent>
-</p:sld>
-</file>
-
-<file path=ppt/slides/slide4.xml><?xml version="1.0" encoding="utf-8"?>
-<p:sld xmlns:a="http://schemas.openxmlformats.org/drawingml/2006/main" xmlns:r="http://schemas.openxmlformats.org/officeDocument/2006/relationships" xmlns:p="http://schemas.openxmlformats.org/presentationml/2006/main">
-  <p:cSld>
-    <p:spTree>
-      <p:nvGrpSpPr>
-        <p:cNvPr id="1" name=""/>
-        <p:cNvGrpSpPr/>
-        <p:nvPr/>
-      </p:nvGrpSpPr>
-      <p:grpSpPr>
-        <a:xfrm>
-          <a:off x="0" y="0"/>
-          <a:ext cx="0" cy="0"/>
-          <a:chOff x="0" y="0"/>
-          <a:chExt cx="0" cy="0"/>
-        </a:xfrm>
-      </p:grpSpPr>
-      <p:sp>
-        <p:nvSpPr>
-          <p:cNvPr id="2" name="Title 1">
-            <a:extLst>
-              <a:ext uri="{FF2B5EF4-FFF2-40B4-BE49-F238E27FC236}">
-                <a16:creationId xmlns:a16="http://schemas.microsoft.com/office/drawing/2014/main" id="{825DF813-D0E3-4F45-872D-6E96D6FA2A77}"/>
-              </a:ext>
-            </a:extLst>
-          </p:cNvPr>
-          <p:cNvSpPr>
-            <a:spLocks noGrp="1"/>
-          </p:cNvSpPr>
-          <p:nvPr>
-            <p:ph type="ctrTitle"/>
-          </p:nvPr>
-        </p:nvSpPr>
-        <p:spPr>
-          <a:xfrm>
-            <a:off x="1154955" y="1519173"/>
-            <a:ext cx="8825658" cy="2677648"/>
-          </a:xfrm>
-        </p:spPr>
-        <p:txBody>
-          <a:bodyPr/>
-          <a:lstStyle/>
-          <a:p>
-            <a:r>
-              <a:rPr lang="en-US" dirty="0"/>
-              <a:t>Saturday           Club</a:t>
-            </a:r>
-          </a:p>
-        </p:txBody>
-      </p:sp>
-      <p:sp>
-        <p:nvSpPr>
-          <p:cNvPr id="3" name="Subtitle 2">
-            <a:extLst>
-              <a:ext uri="{FF2B5EF4-FFF2-40B4-BE49-F238E27FC236}">
-                <a16:creationId xmlns:a16="http://schemas.microsoft.com/office/drawing/2014/main" id="{067A91CE-B398-6D4B-B5C1-1E644EB021D3}"/>
-              </a:ext>
-            </a:extLst>
-          </p:cNvPr>
-          <p:cNvSpPr>
-            <a:spLocks noGrp="1"/>
-          </p:cNvSpPr>
-          <p:nvPr>
-            <p:ph type="subTitle" idx="1"/>
-          </p:nvPr>
-        </p:nvSpPr>
-        <p:spPr>
-          <a:xfrm>
-            <a:off x="1154955" y="4056966"/>
-            <a:ext cx="6881007" cy="861420"/>
-          </a:xfrm>
-        </p:spPr>
-        <p:txBody>
-          <a:bodyPr/>
-          <a:lstStyle/>
-          <a:p>
-            <a:pPr algn="r"/>
-            <a:r>
-              <a:rPr lang="en-US" dirty="0"/>
-              <a:t>LOYOLA UNIVERSITY CHICAGO</a:t>
-            </a:r>
-          </a:p>
-        </p:txBody>
-      </p:sp>
-      <p:pic>
-        <p:nvPicPr>
-          <p:cNvPr id="6" name="Picture 5" descr="A picture containing drawing, food, light, shirt&#10;&#10;Description automatically generated">
-            <a:extLst>
-              <a:ext uri="{FF2B5EF4-FFF2-40B4-BE49-F238E27FC236}">
-                <a16:creationId xmlns:a16="http://schemas.microsoft.com/office/drawing/2014/main" id="{D8F7DF7E-0156-6044-85B5-D21BEF3C4990}"/>
-              </a:ext>
-            </a:extLst>
-          </p:cNvPr>
-          <p:cNvPicPr>
-            <a:picLocks noChangeAspect="1"/>
-          </p:cNvPicPr>
-          <p:nvPr/>
-        </p:nvPicPr>
-        <p:blipFill>
-          <a:blip r:embed="rId2"/>
-          <a:stretch>
-            <a:fillRect/>
-          </a:stretch>
-        </p:blipFill>
-        <p:spPr>
-          <a:xfrm>
-            <a:off x="3719285" y="1132850"/>
-            <a:ext cx="3175000" cy="3175000"/>
-          </a:xfrm>
-          <a:prstGeom prst="rect">
-            <a:avLst/>
-          </a:prstGeom>
-        </p:spPr>
-      </p:pic>
-      <p:sp>
-        <p:nvSpPr>
-          <p:cNvPr id="5" name="Subtitle 2">
-            <a:extLst>
-              <a:ext uri="{FF2B5EF4-FFF2-40B4-BE49-F238E27FC236}">
-                <a16:creationId xmlns:a16="http://schemas.microsoft.com/office/drawing/2014/main" id="{5A0AB1ED-7DAB-2C4F-BBE5-087ADCCAF858}"/>
-              </a:ext>
-            </a:extLst>
-          </p:cNvPr>
-          <p:cNvSpPr txBox="1">
-            <a:spLocks/>
-          </p:cNvSpPr>
-          <p:nvPr/>
-        </p:nvSpPr>
-        <p:spPr bwMode="gray">
-          <a:xfrm>
-            <a:off x="5471632" y="4487676"/>
-            <a:ext cx="2564330" cy="861420"/>
-          </a:xfrm>
-          <a:prstGeom prst="rect">
-            <a:avLst/>
-          </a:prstGeom>
-        </p:spPr>
-        <p:txBody>
-          <a:bodyPr vert="horz" lIns="91440" tIns="45720" rIns="91440" bIns="45720" rtlCol="0" anchor="t">
-            <a:normAutofit/>
-          </a:bodyPr>
-          <a:lstStyle>
-            <a:lvl1pPr marL="0" indent="0" algn="l" defTabSz="457200" rtl="0" eaLnBrk="1" latinLnBrk="0" hangingPunct="1">
-              <a:spcBef>
-                <a:spcPts val="1000"/>
-              </a:spcBef>
-              <a:spcAft>
-                <a:spcPts val="0"/>
-              </a:spcAft>
-              <a:buClr>
-                <a:schemeClr val="accent1"/>
-              </a:buClr>
-              <a:buSzPct val="80000"/>
-              <a:buFont typeface="Wingdings 3" charset="2"/>
-              <a:buNone/>
-              <a:defRPr sz="1800" b="0" i="0" kern="1200" cap="all">
-                <a:solidFill>
-                  <a:schemeClr val="accent1">
-                    <a:lumMod val="60000"/>
-                    <a:lumOff val="40000"/>
-                  </a:schemeClr>
-                </a:solidFill>
-                <a:latin typeface="+mn-lt"/>
-                <a:ea typeface="+mn-ea"/>
-                <a:cs typeface="+mn-cs"/>
-              </a:defRPr>
-            </a:lvl1pPr>
-            <a:lvl2pPr marL="457200" indent="0" algn="ctr" defTabSz="457200" rtl="0" eaLnBrk="1" latinLnBrk="0" hangingPunct="1">
-              <a:spcBef>
-                <a:spcPts val="1000"/>
-              </a:spcBef>
-              <a:spcAft>
-                <a:spcPts val="0"/>
-              </a:spcAft>
-              <a:buClr>
-                <a:schemeClr val="accent1"/>
-              </a:buClr>
-              <a:buSzPct val="80000"/>
-              <a:buFont typeface="Wingdings 3" charset="2"/>
-              <a:buNone/>
-              <a:defRPr sz="1600" b="0" i="0" kern="1200">
-                <a:solidFill>
-                  <a:schemeClr val="tx1">
-                    <a:tint val="75000"/>
-                  </a:schemeClr>
-                </a:solidFill>
-                <a:latin typeface="+mn-lt"/>
-                <a:ea typeface="+mn-ea"/>
-                <a:cs typeface="+mn-cs"/>
-              </a:defRPr>
-            </a:lvl2pPr>
-            <a:lvl3pPr marL="914400" indent="0" algn="ctr" defTabSz="457200" rtl="0" eaLnBrk="1" latinLnBrk="0" hangingPunct="1">
-              <a:spcBef>
-                <a:spcPts val="1000"/>
-              </a:spcBef>
-              <a:spcAft>
-                <a:spcPts val="0"/>
-              </a:spcAft>
-              <a:buClr>
-                <a:schemeClr val="accent1"/>
-              </a:buClr>
-              <a:buSzPct val="80000"/>
-              <a:buFont typeface="Wingdings 3" charset="2"/>
-              <a:buNone/>
-              <a:defRPr sz="1400" b="0" i="0" kern="1200">
-                <a:solidFill>
-                  <a:schemeClr val="tx1">
-                    <a:tint val="75000"/>
-                  </a:schemeClr>
-                </a:solidFill>
-                <a:latin typeface="+mn-lt"/>
-                <a:ea typeface="+mn-ea"/>
-                <a:cs typeface="+mn-cs"/>
-              </a:defRPr>
-            </a:lvl3pPr>
-            <a:lvl4pPr marL="1371600" indent="0" algn="ctr" defTabSz="457200" rtl="0" eaLnBrk="1" latinLnBrk="0" hangingPunct="1">
-              <a:spcBef>
-                <a:spcPts val="1000"/>
-              </a:spcBef>
-              <a:spcAft>
-                <a:spcPts val="0"/>
-              </a:spcAft>
-              <a:buClr>
-                <a:schemeClr val="accent1"/>
-              </a:buClr>
-              <a:buSzPct val="80000"/>
-              <a:buFont typeface="Wingdings 3" charset="2"/>
-              <a:buNone/>
-              <a:defRPr sz="1200" b="0" i="0" kern="1200">
-                <a:solidFill>
-                  <a:schemeClr val="tx1">
-                    <a:tint val="75000"/>
-                  </a:schemeClr>
-                </a:solidFill>
-                <a:latin typeface="+mn-lt"/>
-                <a:ea typeface="+mn-ea"/>
-                <a:cs typeface="+mn-cs"/>
-              </a:defRPr>
-            </a:lvl4pPr>
-            <a:lvl5pPr marL="1828800" indent="0" algn="ctr" defTabSz="457200" rtl="0" eaLnBrk="1" latinLnBrk="0" hangingPunct="1">
-              <a:spcBef>
-                <a:spcPts val="1000"/>
-              </a:spcBef>
-              <a:spcAft>
-                <a:spcPts val="0"/>
-              </a:spcAft>
-              <a:buClr>
-                <a:schemeClr val="accent1"/>
-              </a:buClr>
-              <a:buSzPct val="80000"/>
-              <a:buFont typeface="Wingdings 3" charset="2"/>
-              <a:buNone/>
-              <a:defRPr sz="1200" b="0" i="0" kern="1200">
-                <a:solidFill>
-                  <a:schemeClr val="tx1">
-                    <a:tint val="75000"/>
-                  </a:schemeClr>
-                </a:solidFill>
-                <a:latin typeface="+mn-lt"/>
-                <a:ea typeface="+mn-ea"/>
-                <a:cs typeface="+mn-cs"/>
-              </a:defRPr>
-            </a:lvl5pPr>
-            <a:lvl6pPr marL="2286000" indent="0" algn="ctr" defTabSz="457200" rtl="0" eaLnBrk="1" latinLnBrk="0" hangingPunct="1">
-              <a:spcBef>
-                <a:spcPts val="1000"/>
-              </a:spcBef>
-              <a:spcAft>
-                <a:spcPts val="0"/>
-              </a:spcAft>
-              <a:buClr>
-                <a:schemeClr val="accent1"/>
-              </a:buClr>
-              <a:buSzPct val="80000"/>
-              <a:buFont typeface="Wingdings 3" charset="2"/>
-              <a:buNone/>
-              <a:defRPr sz="1200" b="0" i="0" kern="1200">
-                <a:solidFill>
-                  <a:schemeClr val="tx1">
-                    <a:tint val="75000"/>
-                  </a:schemeClr>
-                </a:solidFill>
-                <a:latin typeface="+mn-lt"/>
-                <a:ea typeface="+mn-ea"/>
-                <a:cs typeface="+mn-cs"/>
-              </a:defRPr>
-            </a:lvl6pPr>
-            <a:lvl7pPr marL="2743200" indent="0" algn="ctr" defTabSz="457200" rtl="0" eaLnBrk="1" latinLnBrk="0" hangingPunct="1">
-              <a:spcBef>
-                <a:spcPts val="1000"/>
-              </a:spcBef>
-              <a:spcAft>
-                <a:spcPts val="0"/>
-              </a:spcAft>
-              <a:buClr>
-                <a:schemeClr val="accent1"/>
-              </a:buClr>
-              <a:buSzPct val="80000"/>
-              <a:buFont typeface="Wingdings 3" charset="2"/>
-              <a:buNone/>
-              <a:defRPr sz="1200" b="0" i="0" kern="1200">
-                <a:solidFill>
-                  <a:schemeClr val="tx1">
-                    <a:tint val="75000"/>
-                  </a:schemeClr>
-                </a:solidFill>
-                <a:latin typeface="+mn-lt"/>
-                <a:ea typeface="+mn-ea"/>
-                <a:cs typeface="+mn-cs"/>
-              </a:defRPr>
-            </a:lvl7pPr>
-            <a:lvl8pPr marL="3200400" indent="0" algn="ctr" defTabSz="457200" rtl="0" eaLnBrk="1" latinLnBrk="0" hangingPunct="1">
-              <a:spcBef>
-                <a:spcPts val="1000"/>
-              </a:spcBef>
-              <a:spcAft>
-                <a:spcPts val="0"/>
-              </a:spcAft>
-              <a:buClr>
-                <a:schemeClr val="accent1"/>
-              </a:buClr>
-              <a:buSzPct val="80000"/>
-              <a:buFont typeface="Wingdings 3" charset="2"/>
-              <a:buNone/>
-              <a:defRPr sz="1200" b="0" i="0" kern="1200">
-                <a:solidFill>
-                  <a:schemeClr val="tx1">
-                    <a:tint val="75000"/>
-                  </a:schemeClr>
-                </a:solidFill>
-                <a:latin typeface="+mn-lt"/>
-                <a:ea typeface="+mn-ea"/>
-                <a:cs typeface="+mn-cs"/>
-              </a:defRPr>
-            </a:lvl8pPr>
-            <a:lvl9pPr marL="3657600" indent="0" algn="ctr" defTabSz="457200" rtl="0" eaLnBrk="1" latinLnBrk="0" hangingPunct="1">
-              <a:spcBef>
-                <a:spcPts val="1000"/>
-              </a:spcBef>
-              <a:spcAft>
-                <a:spcPts val="0"/>
-              </a:spcAft>
-              <a:buClr>
-                <a:schemeClr val="accent1"/>
-              </a:buClr>
-              <a:buSzPct val="80000"/>
-              <a:buFont typeface="Wingdings 3" charset="2"/>
-              <a:buNone/>
-              <a:defRPr sz="1200" b="0" i="0" kern="1200">
-                <a:solidFill>
-                  <a:schemeClr val="tx1">
-                    <a:tint val="75000"/>
-                  </a:schemeClr>
-                </a:solidFill>
-                <a:latin typeface="+mn-lt"/>
-                <a:ea typeface="+mn-ea"/>
-                <a:cs typeface="+mn-cs"/>
-              </a:defRPr>
-            </a:lvl9pPr>
-          </a:lstStyle>
-          <a:p>
-            <a:pPr algn="r"/>
-            <a:r>
-              <a:rPr lang="en-US" b="1" dirty="0"/>
-              <a:t>9 AM – 10 AM</a:t>
-            </a:r>
-          </a:p>
-        </p:txBody>
-      </p:sp>
-      <p:sp>
-        <p:nvSpPr>
-          <p:cNvPr id="4" name="Rectangle 3">
-            <a:extLst>
-              <a:ext uri="{FF2B5EF4-FFF2-40B4-BE49-F238E27FC236}">
-                <a16:creationId xmlns:a16="http://schemas.microsoft.com/office/drawing/2014/main" id="{75EB4702-8FF9-E548-B316-3921ED0CA012}"/>
-              </a:ext>
-            </a:extLst>
-          </p:cNvPr>
-          <p:cNvSpPr/>
-          <p:nvPr/>
-        </p:nvSpPr>
-        <p:spPr>
-          <a:xfrm>
-            <a:off x="6477232" y="4888534"/>
-            <a:ext cx="274320" cy="91440"/>
-          </a:xfrm>
-          <a:prstGeom prst="rect">
-            <a:avLst/>
-          </a:prstGeom>
-          <a:ln>
-            <a:noFill/>
-          </a:ln>
-        </p:spPr>
-        <p:style>
-          <a:lnRef idx="2">
-            <a:schemeClr val="accent1">
-              <a:shade val="50000"/>
-            </a:schemeClr>
-          </a:lnRef>
-          <a:fillRef idx="1">
-            <a:schemeClr val="accent1"/>
-          </a:fillRef>
-          <a:effectRef idx="0">
-            <a:schemeClr val="accent1"/>
-          </a:effectRef>
-          <a:fontRef idx="minor">
-            <a:schemeClr val="lt1"/>
-          </a:fontRef>
-        </p:style>
-        <p:txBody>
-          <a:bodyPr rtlCol="0" anchor="ctr"/>
-          <a:lstStyle/>
-          <a:p>
-            <a:pPr algn="ctr"/>
-            <a:endParaRPr lang="en-US" dirty="0"/>
-          </a:p>
-        </p:txBody>
-      </p:sp>
-      <p:sp>
-        <p:nvSpPr>
-          <p:cNvPr id="8" name="Rectangle 7">
-            <a:extLst>
-              <a:ext uri="{FF2B5EF4-FFF2-40B4-BE49-F238E27FC236}">
-                <a16:creationId xmlns:a16="http://schemas.microsoft.com/office/drawing/2014/main" id="{D4F15DA0-5919-3B45-89B3-DEA88B6DDCD5}"/>
-              </a:ext>
-            </a:extLst>
-          </p:cNvPr>
-          <p:cNvSpPr/>
-          <p:nvPr/>
-        </p:nvSpPr>
-        <p:spPr>
-          <a:xfrm>
-            <a:off x="6881602" y="4888534"/>
-            <a:ext cx="274320" cy="91440"/>
-          </a:xfrm>
-          <a:prstGeom prst="rect">
-            <a:avLst/>
-          </a:prstGeom>
-          <a:ln>
-            <a:noFill/>
-          </a:ln>
-        </p:spPr>
-        <p:style>
-          <a:lnRef idx="2">
-            <a:schemeClr val="accent1">
-              <a:shade val="50000"/>
-            </a:schemeClr>
-          </a:lnRef>
-          <a:fillRef idx="1">
-            <a:schemeClr val="accent1"/>
-          </a:fillRef>
-          <a:effectRef idx="0">
-            <a:schemeClr val="accent1"/>
-          </a:effectRef>
-          <a:fontRef idx="minor">
-            <a:schemeClr val="lt1"/>
-          </a:fontRef>
-        </p:style>
-        <p:txBody>
-          <a:bodyPr rtlCol="0" anchor="ctr"/>
-          <a:lstStyle/>
-          <a:p>
-            <a:pPr algn="ctr"/>
-            <a:endParaRPr lang="en-US" dirty="0"/>
-          </a:p>
-        </p:txBody>
-      </p:sp>
-      <p:sp>
-        <p:nvSpPr>
-          <p:cNvPr id="10" name="Rectangle 9">
-            <a:extLst>
-              <a:ext uri="{FF2B5EF4-FFF2-40B4-BE49-F238E27FC236}">
-                <a16:creationId xmlns:a16="http://schemas.microsoft.com/office/drawing/2014/main" id="{34A30568-5128-FC45-BF58-3AA1B8B7F948}"/>
-              </a:ext>
-            </a:extLst>
-          </p:cNvPr>
-          <p:cNvSpPr/>
-          <p:nvPr/>
-        </p:nvSpPr>
-        <p:spPr>
-          <a:xfrm>
-            <a:off x="7285972" y="4889088"/>
-            <a:ext cx="274320" cy="91440"/>
-          </a:xfrm>
-          <a:prstGeom prst="rect">
-            <a:avLst/>
-          </a:prstGeom>
-          <a:solidFill>
-            <a:schemeClr val="accent6"/>
-          </a:solidFill>
-          <a:ln>
-            <a:noFill/>
-          </a:ln>
-        </p:spPr>
-        <p:style>
-          <a:lnRef idx="2">
-            <a:schemeClr val="accent1">
-              <a:shade val="50000"/>
-            </a:schemeClr>
-          </a:lnRef>
-          <a:fillRef idx="1">
-            <a:schemeClr val="accent1"/>
-          </a:fillRef>
-          <a:effectRef idx="0">
-            <a:schemeClr val="accent1"/>
-          </a:effectRef>
-          <a:fontRef idx="minor">
-            <a:schemeClr val="lt1"/>
-          </a:fontRef>
-        </p:style>
-        <p:txBody>
-          <a:bodyPr rtlCol="0" anchor="ctr"/>
-          <a:lstStyle/>
-          <a:p>
-            <a:pPr algn="ctr"/>
-            <a:endParaRPr lang="en-US" dirty="0"/>
-          </a:p>
-        </p:txBody>
-      </p:sp>
-      <p:sp>
-        <p:nvSpPr>
-          <p:cNvPr id="9" name="Rectangle 8">
-            <a:extLst>
-              <a:ext uri="{FF2B5EF4-FFF2-40B4-BE49-F238E27FC236}">
-                <a16:creationId xmlns:a16="http://schemas.microsoft.com/office/drawing/2014/main" id="{7BB49197-AB46-2143-9D9D-F3BAD823D7BD}"/>
-              </a:ext>
-            </a:extLst>
-          </p:cNvPr>
-          <p:cNvSpPr/>
-          <p:nvPr/>
-        </p:nvSpPr>
-        <p:spPr>
-          <a:xfrm>
-            <a:off x="7690342" y="4888534"/>
-            <a:ext cx="274320" cy="91440"/>
-          </a:xfrm>
-          <a:prstGeom prst="rect">
-            <a:avLst/>
-          </a:prstGeom>
-          <a:solidFill>
-            <a:srgbClr val="994489"/>
-          </a:solidFill>
-          <a:ln>
-            <a:noFill/>
-          </a:ln>
-        </p:spPr>
-        <p:style>
-          <a:lnRef idx="2">
-            <a:schemeClr val="accent1">
-              <a:shade val="50000"/>
-            </a:schemeClr>
-          </a:lnRef>
-          <a:fillRef idx="1">
-            <a:schemeClr val="accent1"/>
-          </a:fillRef>
-          <a:effectRef idx="0">
-            <a:schemeClr val="accent1"/>
-          </a:effectRef>
-          <a:fontRef idx="minor">
-            <a:schemeClr val="lt1"/>
-          </a:fontRef>
-        </p:style>
-        <p:txBody>
-          <a:bodyPr rtlCol="0" anchor="ctr"/>
-          <a:lstStyle/>
-          <a:p>
-            <a:pPr algn="ctr"/>
-            <a:endParaRPr lang="en-US" dirty="0"/>
-          </a:p>
-        </p:txBody>
-      </p:sp>
-    </p:spTree>
-    <p:extLst>
-      <p:ext uri="{BB962C8B-B14F-4D97-AF65-F5344CB8AC3E}">
-        <p14:creationId xmlns:p14="http://schemas.microsoft.com/office/powerpoint/2010/main" val="1104120270"/>
-      </p:ext>
-    </p:extLst>
-  </p:cSld>
-  <p:clrMapOvr>
-    <a:masterClrMapping/>
-  </p:clrMapOvr>
-  <mc:AlternateContent xmlns:mc="http://schemas.openxmlformats.org/markup-compatibility/2006">
-    <mc:Choice xmlns:p14="http://schemas.microsoft.com/office/powerpoint/2010/main" Requires="p14">
-      <p:transition p14:dur="250" advClick="0" advTm="500">
-        <p:fade/>
-      </p:transition>
-    </mc:Choice>
-    <mc:Fallback>
-      <p:transition advClick="0" advTm="500">
-        <p:fade/>
-      </p:transition>
-    </mc:Fallback>
-  </mc:AlternateContent>
-</p:sld>
-</file>
-
-<file path=ppt/slides/slide5.xml><?xml version="1.0" encoding="utf-8"?>
-<p:sld xmlns:a="http://schemas.openxmlformats.org/drawingml/2006/main" xmlns:r="http://schemas.openxmlformats.org/officeDocument/2006/relationships" xmlns:p="http://schemas.openxmlformats.org/presentationml/2006/main">
-  <p:cSld>
-    <p:spTree>
-      <p:nvGrpSpPr>
-        <p:cNvPr id="1" name=""/>
-        <p:cNvGrpSpPr/>
-        <p:nvPr/>
-      </p:nvGrpSpPr>
-      <p:grpSpPr>
-        <a:xfrm>
-          <a:off x="0" y="0"/>
-          <a:ext cx="0" cy="0"/>
-          <a:chOff x="0" y="0"/>
-          <a:chExt cx="0" cy="0"/>
-        </a:xfrm>
-      </p:grpSpPr>
-      <p:sp>
-        <p:nvSpPr>
-          <p:cNvPr id="2" name="Title 1">
-            <a:extLst>
-              <a:ext uri="{FF2B5EF4-FFF2-40B4-BE49-F238E27FC236}">
-                <a16:creationId xmlns:a16="http://schemas.microsoft.com/office/drawing/2014/main" id="{825DF813-D0E3-4F45-872D-6E96D6FA2A77}"/>
-              </a:ext>
-            </a:extLst>
-          </p:cNvPr>
-          <p:cNvSpPr>
-            <a:spLocks noGrp="1"/>
-          </p:cNvSpPr>
-          <p:nvPr>
-            <p:ph type="ctrTitle"/>
-          </p:nvPr>
-        </p:nvSpPr>
-        <p:spPr>
-          <a:xfrm>
-            <a:off x="1154955" y="1519173"/>
-            <a:ext cx="8825658" cy="2677648"/>
-          </a:xfrm>
-        </p:spPr>
-        <p:txBody>
-          <a:bodyPr/>
-          <a:lstStyle/>
-          <a:p>
-            <a:r>
-              <a:rPr lang="en-US" dirty="0"/>
-              <a:t>Saturday           Club</a:t>
-            </a:r>
-          </a:p>
-        </p:txBody>
-      </p:sp>
-      <p:sp>
-        <p:nvSpPr>
-          <p:cNvPr id="3" name="Subtitle 2">
-            <a:extLst>
-              <a:ext uri="{FF2B5EF4-FFF2-40B4-BE49-F238E27FC236}">
-                <a16:creationId xmlns:a16="http://schemas.microsoft.com/office/drawing/2014/main" id="{067A91CE-B398-6D4B-B5C1-1E644EB021D3}"/>
-              </a:ext>
-            </a:extLst>
-          </p:cNvPr>
-          <p:cNvSpPr>
-            <a:spLocks noGrp="1"/>
-          </p:cNvSpPr>
-          <p:nvPr>
-            <p:ph type="subTitle" idx="1"/>
-          </p:nvPr>
-        </p:nvSpPr>
-        <p:spPr>
-          <a:xfrm>
-            <a:off x="1154955" y="4056966"/>
-            <a:ext cx="6881007" cy="861420"/>
-          </a:xfrm>
-        </p:spPr>
-        <p:txBody>
-          <a:bodyPr/>
-          <a:lstStyle/>
-          <a:p>
-            <a:pPr algn="r"/>
-            <a:r>
-              <a:rPr lang="en-US" dirty="0"/>
-              <a:t>LOYOLA UNIVERSITY CHICAGO</a:t>
-            </a:r>
-          </a:p>
-        </p:txBody>
-      </p:sp>
-      <p:pic>
-        <p:nvPicPr>
-          <p:cNvPr id="6" name="Picture 5" descr="A picture containing drawing, food, light, shirt&#10;&#10;Description automatically generated">
-            <a:extLst>
-              <a:ext uri="{FF2B5EF4-FFF2-40B4-BE49-F238E27FC236}">
-                <a16:creationId xmlns:a16="http://schemas.microsoft.com/office/drawing/2014/main" id="{D8F7DF7E-0156-6044-85B5-D21BEF3C4990}"/>
-              </a:ext>
-            </a:extLst>
-          </p:cNvPr>
-          <p:cNvPicPr>
-            <a:picLocks noChangeAspect="1"/>
-          </p:cNvPicPr>
-          <p:nvPr/>
-        </p:nvPicPr>
-        <p:blipFill>
-          <a:blip r:embed="rId2"/>
-          <a:stretch>
-            <a:fillRect/>
-          </a:stretch>
-        </p:blipFill>
-        <p:spPr>
-          <a:xfrm>
-            <a:off x="3719285" y="1132850"/>
-            <a:ext cx="3175000" cy="3175000"/>
-          </a:xfrm>
-          <a:prstGeom prst="rect">
-            <a:avLst/>
-          </a:prstGeom>
-        </p:spPr>
-      </p:pic>
-      <p:sp>
-        <p:nvSpPr>
-          <p:cNvPr id="5" name="Subtitle 2">
-            <a:extLst>
-              <a:ext uri="{FF2B5EF4-FFF2-40B4-BE49-F238E27FC236}">
-                <a16:creationId xmlns:a16="http://schemas.microsoft.com/office/drawing/2014/main" id="{5A0AB1ED-7DAB-2C4F-BBE5-087ADCCAF858}"/>
-              </a:ext>
-            </a:extLst>
-          </p:cNvPr>
-          <p:cNvSpPr txBox="1">
-            <a:spLocks/>
-          </p:cNvSpPr>
-          <p:nvPr/>
-        </p:nvSpPr>
-        <p:spPr bwMode="gray">
-          <a:xfrm>
-            <a:off x="5471632" y="4487676"/>
-            <a:ext cx="2564330" cy="861420"/>
-          </a:xfrm>
-          <a:prstGeom prst="rect">
-            <a:avLst/>
-          </a:prstGeom>
-        </p:spPr>
-        <p:txBody>
-          <a:bodyPr vert="horz" lIns="91440" tIns="45720" rIns="91440" bIns="45720" rtlCol="0" anchor="t">
-            <a:normAutofit/>
-          </a:bodyPr>
-          <a:lstStyle>
-            <a:lvl1pPr marL="0" indent="0" algn="l" defTabSz="457200" rtl="0" eaLnBrk="1" latinLnBrk="0" hangingPunct="1">
-              <a:spcBef>
-                <a:spcPts val="1000"/>
-              </a:spcBef>
-              <a:spcAft>
-                <a:spcPts val="0"/>
-              </a:spcAft>
-              <a:buClr>
-                <a:schemeClr val="accent1"/>
-              </a:buClr>
-              <a:buSzPct val="80000"/>
-              <a:buFont typeface="Wingdings 3" charset="2"/>
-              <a:buNone/>
-              <a:defRPr sz="1800" b="0" i="0" kern="1200" cap="all">
-                <a:solidFill>
-                  <a:schemeClr val="accent1">
-                    <a:lumMod val="60000"/>
-                    <a:lumOff val="40000"/>
-                  </a:schemeClr>
-                </a:solidFill>
-                <a:latin typeface="+mn-lt"/>
-                <a:ea typeface="+mn-ea"/>
-                <a:cs typeface="+mn-cs"/>
-              </a:defRPr>
-            </a:lvl1pPr>
-            <a:lvl2pPr marL="457200" indent="0" algn="ctr" defTabSz="457200" rtl="0" eaLnBrk="1" latinLnBrk="0" hangingPunct="1">
-              <a:spcBef>
-                <a:spcPts val="1000"/>
-              </a:spcBef>
-              <a:spcAft>
-                <a:spcPts val="0"/>
-              </a:spcAft>
-              <a:buClr>
-                <a:schemeClr val="accent1"/>
-              </a:buClr>
-              <a:buSzPct val="80000"/>
-              <a:buFont typeface="Wingdings 3" charset="2"/>
-              <a:buNone/>
-              <a:defRPr sz="1600" b="0" i="0" kern="1200">
-                <a:solidFill>
-                  <a:schemeClr val="tx1">
-                    <a:tint val="75000"/>
-                  </a:schemeClr>
-                </a:solidFill>
-                <a:latin typeface="+mn-lt"/>
-                <a:ea typeface="+mn-ea"/>
-                <a:cs typeface="+mn-cs"/>
-              </a:defRPr>
-            </a:lvl2pPr>
-            <a:lvl3pPr marL="914400" indent="0" algn="ctr" defTabSz="457200" rtl="0" eaLnBrk="1" latinLnBrk="0" hangingPunct="1">
-              <a:spcBef>
-                <a:spcPts val="1000"/>
-              </a:spcBef>
-              <a:spcAft>
-                <a:spcPts val="0"/>
-              </a:spcAft>
-              <a:buClr>
-                <a:schemeClr val="accent1"/>
-              </a:buClr>
-              <a:buSzPct val="80000"/>
-              <a:buFont typeface="Wingdings 3" charset="2"/>
-              <a:buNone/>
-              <a:defRPr sz="1400" b="0" i="0" kern="1200">
-                <a:solidFill>
-                  <a:schemeClr val="tx1">
-                    <a:tint val="75000"/>
-                  </a:schemeClr>
-                </a:solidFill>
-                <a:latin typeface="+mn-lt"/>
-                <a:ea typeface="+mn-ea"/>
-                <a:cs typeface="+mn-cs"/>
-              </a:defRPr>
-            </a:lvl3pPr>
-            <a:lvl4pPr marL="1371600" indent="0" algn="ctr" defTabSz="457200" rtl="0" eaLnBrk="1" latinLnBrk="0" hangingPunct="1">
-              <a:spcBef>
-                <a:spcPts val="1000"/>
-              </a:spcBef>
-              <a:spcAft>
-                <a:spcPts val="0"/>
-              </a:spcAft>
-              <a:buClr>
-                <a:schemeClr val="accent1"/>
-              </a:buClr>
-              <a:buSzPct val="80000"/>
-              <a:buFont typeface="Wingdings 3" charset="2"/>
-              <a:buNone/>
-              <a:defRPr sz="1200" b="0" i="0" kern="1200">
-                <a:solidFill>
-                  <a:schemeClr val="tx1">
-                    <a:tint val="75000"/>
-                  </a:schemeClr>
-                </a:solidFill>
-                <a:latin typeface="+mn-lt"/>
-                <a:ea typeface="+mn-ea"/>
-                <a:cs typeface="+mn-cs"/>
-              </a:defRPr>
-            </a:lvl4pPr>
-            <a:lvl5pPr marL="1828800" indent="0" algn="ctr" defTabSz="457200" rtl="0" eaLnBrk="1" latinLnBrk="0" hangingPunct="1">
-              <a:spcBef>
-                <a:spcPts val="1000"/>
-              </a:spcBef>
-              <a:spcAft>
-                <a:spcPts val="0"/>
-              </a:spcAft>
-              <a:buClr>
-                <a:schemeClr val="accent1"/>
-              </a:buClr>
-              <a:buSzPct val="80000"/>
-              <a:buFont typeface="Wingdings 3" charset="2"/>
-              <a:buNone/>
-              <a:defRPr sz="1200" b="0" i="0" kern="1200">
-                <a:solidFill>
-                  <a:schemeClr val="tx1">
-                    <a:tint val="75000"/>
-                  </a:schemeClr>
-                </a:solidFill>
-                <a:latin typeface="+mn-lt"/>
-                <a:ea typeface="+mn-ea"/>
-                <a:cs typeface="+mn-cs"/>
-              </a:defRPr>
-            </a:lvl5pPr>
-            <a:lvl6pPr marL="2286000" indent="0" algn="ctr" defTabSz="457200" rtl="0" eaLnBrk="1" latinLnBrk="0" hangingPunct="1">
-              <a:spcBef>
-                <a:spcPts val="1000"/>
-              </a:spcBef>
-              <a:spcAft>
-                <a:spcPts val="0"/>
-              </a:spcAft>
-              <a:buClr>
-                <a:schemeClr val="accent1"/>
-              </a:buClr>
-              <a:buSzPct val="80000"/>
-              <a:buFont typeface="Wingdings 3" charset="2"/>
-              <a:buNone/>
-              <a:defRPr sz="1200" b="0" i="0" kern="1200">
-                <a:solidFill>
-                  <a:schemeClr val="tx1">
-                    <a:tint val="75000"/>
-                  </a:schemeClr>
-                </a:solidFill>
-                <a:latin typeface="+mn-lt"/>
-                <a:ea typeface="+mn-ea"/>
-                <a:cs typeface="+mn-cs"/>
-              </a:defRPr>
-            </a:lvl6pPr>
-            <a:lvl7pPr marL="2743200" indent="0" algn="ctr" defTabSz="457200" rtl="0" eaLnBrk="1" latinLnBrk="0" hangingPunct="1">
-              <a:spcBef>
-                <a:spcPts val="1000"/>
-              </a:spcBef>
-              <a:spcAft>
-                <a:spcPts val="0"/>
-              </a:spcAft>
-              <a:buClr>
-                <a:schemeClr val="accent1"/>
-              </a:buClr>
-              <a:buSzPct val="80000"/>
-              <a:buFont typeface="Wingdings 3" charset="2"/>
-              <a:buNone/>
-              <a:defRPr sz="1200" b="0" i="0" kern="1200">
-                <a:solidFill>
-                  <a:schemeClr val="tx1">
-                    <a:tint val="75000"/>
-                  </a:schemeClr>
-                </a:solidFill>
-                <a:latin typeface="+mn-lt"/>
-                <a:ea typeface="+mn-ea"/>
-                <a:cs typeface="+mn-cs"/>
-              </a:defRPr>
-            </a:lvl7pPr>
-            <a:lvl8pPr marL="3200400" indent="0" algn="ctr" defTabSz="457200" rtl="0" eaLnBrk="1" latinLnBrk="0" hangingPunct="1">
-              <a:spcBef>
-                <a:spcPts val="1000"/>
-              </a:spcBef>
-              <a:spcAft>
-                <a:spcPts val="0"/>
-              </a:spcAft>
-              <a:buClr>
-                <a:schemeClr val="accent1"/>
-              </a:buClr>
-              <a:buSzPct val="80000"/>
-              <a:buFont typeface="Wingdings 3" charset="2"/>
-              <a:buNone/>
-              <a:defRPr sz="1200" b="0" i="0" kern="1200">
-                <a:solidFill>
-                  <a:schemeClr val="tx1">
-                    <a:tint val="75000"/>
-                  </a:schemeClr>
-                </a:solidFill>
-                <a:latin typeface="+mn-lt"/>
-                <a:ea typeface="+mn-ea"/>
-                <a:cs typeface="+mn-cs"/>
-              </a:defRPr>
-            </a:lvl8pPr>
-            <a:lvl9pPr marL="3657600" indent="0" algn="ctr" defTabSz="457200" rtl="0" eaLnBrk="1" latinLnBrk="0" hangingPunct="1">
-              <a:spcBef>
-                <a:spcPts val="1000"/>
-              </a:spcBef>
-              <a:spcAft>
-                <a:spcPts val="0"/>
-              </a:spcAft>
-              <a:buClr>
-                <a:schemeClr val="accent1"/>
-              </a:buClr>
-              <a:buSzPct val="80000"/>
-              <a:buFont typeface="Wingdings 3" charset="2"/>
-              <a:buNone/>
-              <a:defRPr sz="1200" b="0" i="0" kern="1200">
-                <a:solidFill>
-                  <a:schemeClr val="tx1">
-                    <a:tint val="75000"/>
-                  </a:schemeClr>
-                </a:solidFill>
-                <a:latin typeface="+mn-lt"/>
-                <a:ea typeface="+mn-ea"/>
-                <a:cs typeface="+mn-cs"/>
-              </a:defRPr>
-            </a:lvl9pPr>
-          </a:lstStyle>
-          <a:p>
-            <a:pPr algn="r"/>
-            <a:r>
-              <a:rPr lang="en-US" b="1" dirty="0"/>
-              <a:t>9 AM – 10 AM</a:t>
-            </a:r>
-          </a:p>
-        </p:txBody>
-      </p:sp>
-      <p:sp>
-        <p:nvSpPr>
-          <p:cNvPr id="4" name="Rectangle 3">
-            <a:extLst>
-              <a:ext uri="{FF2B5EF4-FFF2-40B4-BE49-F238E27FC236}">
-                <a16:creationId xmlns:a16="http://schemas.microsoft.com/office/drawing/2014/main" id="{75EB4702-8FF9-E548-B316-3921ED0CA012}"/>
-              </a:ext>
-            </a:extLst>
-          </p:cNvPr>
-          <p:cNvSpPr/>
-          <p:nvPr/>
-        </p:nvSpPr>
-        <p:spPr>
-          <a:xfrm>
-            <a:off x="6477232" y="4888534"/>
-            <a:ext cx="274320" cy="91440"/>
-          </a:xfrm>
-          <a:prstGeom prst="rect">
-            <a:avLst/>
-          </a:prstGeom>
-          <a:ln>
-            <a:noFill/>
-          </a:ln>
-        </p:spPr>
-        <p:style>
-          <a:lnRef idx="2">
-            <a:schemeClr val="accent1">
-              <a:shade val="50000"/>
-            </a:schemeClr>
-          </a:lnRef>
-          <a:fillRef idx="1">
-            <a:schemeClr val="accent1"/>
-          </a:fillRef>
-          <a:effectRef idx="0">
-            <a:schemeClr val="accent1"/>
-          </a:effectRef>
-          <a:fontRef idx="minor">
-            <a:schemeClr val="lt1"/>
-          </a:fontRef>
-        </p:style>
-        <p:txBody>
-          <a:bodyPr rtlCol="0" anchor="ctr"/>
-          <a:lstStyle/>
-          <a:p>
-            <a:pPr algn="ctr"/>
-            <a:endParaRPr lang="en-US" dirty="0"/>
-          </a:p>
-        </p:txBody>
-      </p:sp>
-      <p:sp>
-        <p:nvSpPr>
-          <p:cNvPr id="8" name="Rectangle 7">
-            <a:extLst>
-              <a:ext uri="{FF2B5EF4-FFF2-40B4-BE49-F238E27FC236}">
-                <a16:creationId xmlns:a16="http://schemas.microsoft.com/office/drawing/2014/main" id="{D4F15DA0-5919-3B45-89B3-DEA88B6DDCD5}"/>
-              </a:ext>
-            </a:extLst>
-          </p:cNvPr>
-          <p:cNvSpPr/>
-          <p:nvPr/>
-        </p:nvSpPr>
-        <p:spPr>
-          <a:xfrm>
-            <a:off x="6881602" y="4888534"/>
-            <a:ext cx="274320" cy="91440"/>
-          </a:xfrm>
-          <a:prstGeom prst="rect">
-            <a:avLst/>
-          </a:prstGeom>
-          <a:ln>
-            <a:noFill/>
-          </a:ln>
-        </p:spPr>
-        <p:style>
-          <a:lnRef idx="2">
-            <a:schemeClr val="accent1">
-              <a:shade val="50000"/>
-            </a:schemeClr>
-          </a:lnRef>
-          <a:fillRef idx="1">
-            <a:schemeClr val="accent1"/>
-          </a:fillRef>
-          <a:effectRef idx="0">
-            <a:schemeClr val="accent1"/>
-          </a:effectRef>
-          <a:fontRef idx="minor">
-            <a:schemeClr val="lt1"/>
-          </a:fontRef>
-        </p:style>
-        <p:txBody>
-          <a:bodyPr rtlCol="0" anchor="ctr"/>
-          <a:lstStyle/>
-          <a:p>
-            <a:pPr algn="ctr"/>
-            <a:endParaRPr lang="en-US" dirty="0"/>
-          </a:p>
-        </p:txBody>
-      </p:sp>
-      <p:sp>
-        <p:nvSpPr>
-          <p:cNvPr id="9" name="Rectangle 8">
-            <a:extLst>
-              <a:ext uri="{FF2B5EF4-FFF2-40B4-BE49-F238E27FC236}">
-                <a16:creationId xmlns:a16="http://schemas.microsoft.com/office/drawing/2014/main" id="{6C0FB79F-EACC-7B4E-8694-75D978BD5718}"/>
-              </a:ext>
-            </a:extLst>
-          </p:cNvPr>
-          <p:cNvSpPr/>
-          <p:nvPr/>
-        </p:nvSpPr>
-        <p:spPr>
-          <a:xfrm>
-            <a:off x="7285972" y="4888534"/>
-            <a:ext cx="274320" cy="91440"/>
-          </a:xfrm>
-          <a:prstGeom prst="rect">
-            <a:avLst/>
-          </a:prstGeom>
-          <a:ln>
-            <a:noFill/>
-          </a:ln>
-        </p:spPr>
-        <p:style>
-          <a:lnRef idx="2">
-            <a:schemeClr val="accent1">
-              <a:shade val="50000"/>
-            </a:schemeClr>
-          </a:lnRef>
-          <a:fillRef idx="1">
-            <a:schemeClr val="accent1"/>
-          </a:fillRef>
-          <a:effectRef idx="0">
-            <a:schemeClr val="accent1"/>
-          </a:effectRef>
-          <a:fontRef idx="minor">
-            <a:schemeClr val="lt1"/>
-          </a:fontRef>
-        </p:style>
-        <p:txBody>
-          <a:bodyPr rtlCol="0" anchor="ctr"/>
-          <a:lstStyle/>
-          <a:p>
-            <a:pPr algn="ctr"/>
-            <a:endParaRPr lang="en-US" dirty="0"/>
-          </a:p>
-        </p:txBody>
-      </p:sp>
-      <p:sp>
-        <p:nvSpPr>
-          <p:cNvPr id="10" name="Rectangle 9">
-            <a:extLst>
-              <a:ext uri="{FF2B5EF4-FFF2-40B4-BE49-F238E27FC236}">
-                <a16:creationId xmlns:a16="http://schemas.microsoft.com/office/drawing/2014/main" id="{34A30568-5128-FC45-BF58-3AA1B8B7F948}"/>
-              </a:ext>
-            </a:extLst>
-          </p:cNvPr>
-          <p:cNvSpPr/>
-          <p:nvPr/>
-        </p:nvSpPr>
-        <p:spPr>
-          <a:xfrm>
-            <a:off x="7690342" y="4888534"/>
-            <a:ext cx="274320" cy="91440"/>
-          </a:xfrm>
-          <a:prstGeom prst="rect">
-            <a:avLst/>
-          </a:prstGeom>
-          <a:solidFill>
-            <a:schemeClr val="accent6"/>
-          </a:solidFill>
-          <a:ln>
-            <a:noFill/>
-          </a:ln>
-        </p:spPr>
-        <p:style>
-          <a:lnRef idx="2">
-            <a:schemeClr val="accent1">
-              <a:shade val="50000"/>
-            </a:schemeClr>
-          </a:lnRef>
-          <a:fillRef idx="1">
-            <a:schemeClr val="accent1"/>
-          </a:fillRef>
-          <a:effectRef idx="0">
-            <a:schemeClr val="accent1"/>
-          </a:effectRef>
-          <a:fontRef idx="minor">
-            <a:schemeClr val="lt1"/>
-          </a:fontRef>
-        </p:style>
-        <p:txBody>
-          <a:bodyPr rtlCol="0" anchor="ctr"/>
-          <a:lstStyle/>
-          <a:p>
-            <a:pPr algn="ctr"/>
-            <a:endParaRPr lang="en-US" dirty="0"/>
-          </a:p>
-        </p:txBody>
-      </p:sp>
-    </p:spTree>
-    <p:extLst>
-      <p:ext uri="{BB962C8B-B14F-4D97-AF65-F5344CB8AC3E}">
-        <p14:creationId xmlns:p14="http://schemas.microsoft.com/office/powerpoint/2010/main" val="3194885941"/>
-      </p:ext>
-    </p:extLst>
-  </p:cSld>
-  <p:clrMapOvr>
-    <a:masterClrMapping/>
-  </p:clrMapOvr>
-  <mc:AlternateContent xmlns:mc="http://schemas.openxmlformats.org/markup-compatibility/2006">
-    <mc:Choice xmlns:p14="http://schemas.microsoft.com/office/powerpoint/2010/main" Requires="p14">
-      <p:transition p14:dur="250" advClick="0" advTm="500">
-        <p:fade/>
-      </p:transition>
-    </mc:Choice>
-    <mc:Fallback>
-      <p:transition advClick="0" advTm="500">
-        <p:fade/>
-      </p:transition>
-    </mc:Fallback>
-  </mc:AlternateContent>
-</p:sld>
-</file>
-
-<file path=ppt/slides/slide6.xml><?xml version="1.0" encoding="utf-8"?>
-<p:sld xmlns:a="http://schemas.openxmlformats.org/drawingml/2006/main" xmlns:r="http://schemas.openxmlformats.org/officeDocument/2006/relationships" xmlns:p="http://schemas.openxmlformats.org/presentationml/2006/main">
-  <p:cSld>
-    <p:spTree>
-      <p:nvGrpSpPr>
-        <p:cNvPr id="1" name=""/>
-        <p:cNvGrpSpPr/>
-        <p:nvPr/>
-      </p:nvGrpSpPr>
-      <p:grpSpPr>
-        <a:xfrm>
-          <a:off x="0" y="0"/>
-          <a:ext cx="0" cy="0"/>
-          <a:chOff x="0" y="0"/>
-          <a:chExt cx="0" cy="0"/>
-        </a:xfrm>
-      </p:grpSpPr>
-      <p:sp>
-        <p:nvSpPr>
-          <p:cNvPr id="2" name="Title 1">
-            <a:extLst>
-              <a:ext uri="{FF2B5EF4-FFF2-40B4-BE49-F238E27FC236}">
-                <a16:creationId xmlns:a16="http://schemas.microsoft.com/office/drawing/2014/main" id="{825DF813-D0E3-4F45-872D-6E96D6FA2A77}"/>
-              </a:ext>
-            </a:extLst>
-          </p:cNvPr>
-          <p:cNvSpPr>
-            <a:spLocks noGrp="1"/>
-          </p:cNvSpPr>
-          <p:nvPr>
-            <p:ph type="ctrTitle"/>
-          </p:nvPr>
-        </p:nvSpPr>
-        <p:spPr>
-          <a:xfrm>
-            <a:off x="1154955" y="1519173"/>
-            <a:ext cx="8825658" cy="2677648"/>
-          </a:xfrm>
-        </p:spPr>
-        <p:txBody>
-          <a:bodyPr/>
-          <a:lstStyle/>
-          <a:p>
-            <a:r>
-              <a:rPr lang="en-US" dirty="0"/>
-              <a:t>Saturday           Club</a:t>
-            </a:r>
-          </a:p>
-        </p:txBody>
-      </p:sp>
-      <p:sp>
-        <p:nvSpPr>
-          <p:cNvPr id="3" name="Subtitle 2">
-            <a:extLst>
-              <a:ext uri="{FF2B5EF4-FFF2-40B4-BE49-F238E27FC236}">
-                <a16:creationId xmlns:a16="http://schemas.microsoft.com/office/drawing/2014/main" id="{067A91CE-B398-6D4B-B5C1-1E644EB021D3}"/>
-              </a:ext>
-            </a:extLst>
-          </p:cNvPr>
-          <p:cNvSpPr>
-            <a:spLocks noGrp="1"/>
-          </p:cNvSpPr>
-          <p:nvPr>
-            <p:ph type="subTitle" idx="1"/>
-          </p:nvPr>
-        </p:nvSpPr>
-        <p:spPr>
-          <a:xfrm>
-            <a:off x="1154955" y="4056966"/>
-            <a:ext cx="6881007" cy="861420"/>
-          </a:xfrm>
-        </p:spPr>
-        <p:txBody>
-          <a:bodyPr/>
-          <a:lstStyle/>
-          <a:p>
-            <a:pPr algn="r"/>
-            <a:r>
-              <a:rPr lang="en-US" dirty="0"/>
-              <a:t>LOYOLA UNIVERSITY CHICAGO</a:t>
-            </a:r>
-          </a:p>
-        </p:txBody>
-      </p:sp>
-      <p:pic>
-        <p:nvPicPr>
-          <p:cNvPr id="6" name="Picture 5" descr="A picture containing drawing, food, light, shirt&#10;&#10;Description automatically generated">
-            <a:extLst>
-              <a:ext uri="{FF2B5EF4-FFF2-40B4-BE49-F238E27FC236}">
-                <a16:creationId xmlns:a16="http://schemas.microsoft.com/office/drawing/2014/main" id="{D8F7DF7E-0156-6044-85B5-D21BEF3C4990}"/>
-              </a:ext>
-            </a:extLst>
-          </p:cNvPr>
-          <p:cNvPicPr>
-            <a:picLocks noChangeAspect="1"/>
-          </p:cNvPicPr>
-          <p:nvPr/>
-        </p:nvPicPr>
-        <p:blipFill>
-          <a:blip r:embed="rId2"/>
-          <a:stretch>
-            <a:fillRect/>
-          </a:stretch>
-        </p:blipFill>
-        <p:spPr>
-          <a:xfrm>
-            <a:off x="3719285" y="1132850"/>
-            <a:ext cx="3175000" cy="3175000"/>
-          </a:xfrm>
-          <a:prstGeom prst="rect">
-            <a:avLst/>
-          </a:prstGeom>
-        </p:spPr>
-      </p:pic>
-      <p:sp>
-        <p:nvSpPr>
-          <p:cNvPr id="5" name="Subtitle 2">
-            <a:extLst>
-              <a:ext uri="{FF2B5EF4-FFF2-40B4-BE49-F238E27FC236}">
-                <a16:creationId xmlns:a16="http://schemas.microsoft.com/office/drawing/2014/main" id="{5A0AB1ED-7DAB-2C4F-BBE5-087ADCCAF858}"/>
-              </a:ext>
-            </a:extLst>
-          </p:cNvPr>
-          <p:cNvSpPr txBox="1">
-            <a:spLocks/>
-          </p:cNvSpPr>
-          <p:nvPr/>
-        </p:nvSpPr>
-        <p:spPr bwMode="gray">
-          <a:xfrm>
-            <a:off x="5471632" y="4487676"/>
-            <a:ext cx="2564330" cy="861420"/>
-          </a:xfrm>
-          <a:prstGeom prst="rect">
-            <a:avLst/>
-          </a:prstGeom>
-        </p:spPr>
-        <p:txBody>
-          <a:bodyPr vert="horz" lIns="91440" tIns="45720" rIns="91440" bIns="45720" rtlCol="0" anchor="t">
-            <a:normAutofit/>
-          </a:bodyPr>
-          <a:lstStyle>
-            <a:lvl1pPr marL="0" indent="0" algn="l" defTabSz="457200" rtl="0" eaLnBrk="1" latinLnBrk="0" hangingPunct="1">
-              <a:spcBef>
-                <a:spcPts val="1000"/>
-              </a:spcBef>
-              <a:spcAft>
-                <a:spcPts val="0"/>
-              </a:spcAft>
-              <a:buClr>
-                <a:schemeClr val="accent1"/>
-              </a:buClr>
-              <a:buSzPct val="80000"/>
-              <a:buFont typeface="Wingdings 3" charset="2"/>
-              <a:buNone/>
-              <a:defRPr sz="1800" b="0" i="0" kern="1200" cap="all">
-                <a:solidFill>
-                  <a:schemeClr val="accent1">
-                    <a:lumMod val="60000"/>
-                    <a:lumOff val="40000"/>
-                  </a:schemeClr>
-                </a:solidFill>
-                <a:latin typeface="+mn-lt"/>
-                <a:ea typeface="+mn-ea"/>
-                <a:cs typeface="+mn-cs"/>
-              </a:defRPr>
-            </a:lvl1pPr>
-            <a:lvl2pPr marL="457200" indent="0" algn="ctr" defTabSz="457200" rtl="0" eaLnBrk="1" latinLnBrk="0" hangingPunct="1">
-              <a:spcBef>
-                <a:spcPts val="1000"/>
-              </a:spcBef>
-              <a:spcAft>
-                <a:spcPts val="0"/>
-              </a:spcAft>
-              <a:buClr>
-                <a:schemeClr val="accent1"/>
-              </a:buClr>
-              <a:buSzPct val="80000"/>
-              <a:buFont typeface="Wingdings 3" charset="2"/>
-              <a:buNone/>
-              <a:defRPr sz="1600" b="0" i="0" kern="1200">
-                <a:solidFill>
-                  <a:schemeClr val="tx1">
-                    <a:tint val="75000"/>
-                  </a:schemeClr>
-                </a:solidFill>
-                <a:latin typeface="+mn-lt"/>
-                <a:ea typeface="+mn-ea"/>
-                <a:cs typeface="+mn-cs"/>
-              </a:defRPr>
-            </a:lvl2pPr>
-            <a:lvl3pPr marL="914400" indent="0" algn="ctr" defTabSz="457200" rtl="0" eaLnBrk="1" latinLnBrk="0" hangingPunct="1">
-              <a:spcBef>
-                <a:spcPts val="1000"/>
-              </a:spcBef>
-              <a:spcAft>
-                <a:spcPts val="0"/>
-              </a:spcAft>
-              <a:buClr>
-                <a:schemeClr val="accent1"/>
-              </a:buClr>
-              <a:buSzPct val="80000"/>
-              <a:buFont typeface="Wingdings 3" charset="2"/>
-              <a:buNone/>
-              <a:defRPr sz="1400" b="0" i="0" kern="1200">
-                <a:solidFill>
-                  <a:schemeClr val="tx1">
-                    <a:tint val="75000"/>
-                  </a:schemeClr>
-                </a:solidFill>
-                <a:latin typeface="+mn-lt"/>
-                <a:ea typeface="+mn-ea"/>
-                <a:cs typeface="+mn-cs"/>
-              </a:defRPr>
-            </a:lvl3pPr>
-            <a:lvl4pPr marL="1371600" indent="0" algn="ctr" defTabSz="457200" rtl="0" eaLnBrk="1" latinLnBrk="0" hangingPunct="1">
-              <a:spcBef>
-                <a:spcPts val="1000"/>
-              </a:spcBef>
-              <a:spcAft>
-                <a:spcPts val="0"/>
-              </a:spcAft>
-              <a:buClr>
-                <a:schemeClr val="accent1"/>
-              </a:buClr>
-              <a:buSzPct val="80000"/>
-              <a:buFont typeface="Wingdings 3" charset="2"/>
-              <a:buNone/>
-              <a:defRPr sz="1200" b="0" i="0" kern="1200">
-                <a:solidFill>
-                  <a:schemeClr val="tx1">
-                    <a:tint val="75000"/>
-                  </a:schemeClr>
-                </a:solidFill>
-                <a:latin typeface="+mn-lt"/>
-                <a:ea typeface="+mn-ea"/>
-                <a:cs typeface="+mn-cs"/>
-              </a:defRPr>
-            </a:lvl4pPr>
-            <a:lvl5pPr marL="1828800" indent="0" algn="ctr" defTabSz="457200" rtl="0" eaLnBrk="1" latinLnBrk="0" hangingPunct="1">
-              <a:spcBef>
-                <a:spcPts val="1000"/>
-              </a:spcBef>
-              <a:spcAft>
-                <a:spcPts val="0"/>
-              </a:spcAft>
-              <a:buClr>
-                <a:schemeClr val="accent1"/>
-              </a:buClr>
-              <a:buSzPct val="80000"/>
-              <a:buFont typeface="Wingdings 3" charset="2"/>
-              <a:buNone/>
-              <a:defRPr sz="1200" b="0" i="0" kern="1200">
-                <a:solidFill>
-                  <a:schemeClr val="tx1">
-                    <a:tint val="75000"/>
-                  </a:schemeClr>
-                </a:solidFill>
-                <a:latin typeface="+mn-lt"/>
-                <a:ea typeface="+mn-ea"/>
-                <a:cs typeface="+mn-cs"/>
-              </a:defRPr>
-            </a:lvl5pPr>
-            <a:lvl6pPr marL="2286000" indent="0" algn="ctr" defTabSz="457200" rtl="0" eaLnBrk="1" latinLnBrk="0" hangingPunct="1">
-              <a:spcBef>
-                <a:spcPts val="1000"/>
-              </a:spcBef>
-              <a:spcAft>
-                <a:spcPts val="0"/>
-              </a:spcAft>
-              <a:buClr>
-                <a:schemeClr val="accent1"/>
-              </a:buClr>
-              <a:buSzPct val="80000"/>
-              <a:buFont typeface="Wingdings 3" charset="2"/>
-              <a:buNone/>
-              <a:defRPr sz="1200" b="0" i="0" kern="1200">
-                <a:solidFill>
-                  <a:schemeClr val="tx1">
-                    <a:tint val="75000"/>
-                  </a:schemeClr>
-                </a:solidFill>
-                <a:latin typeface="+mn-lt"/>
-                <a:ea typeface="+mn-ea"/>
-                <a:cs typeface="+mn-cs"/>
-              </a:defRPr>
-            </a:lvl6pPr>
-            <a:lvl7pPr marL="2743200" indent="0" algn="ctr" defTabSz="457200" rtl="0" eaLnBrk="1" latinLnBrk="0" hangingPunct="1">
-              <a:spcBef>
-                <a:spcPts val="1000"/>
-              </a:spcBef>
-              <a:spcAft>
-                <a:spcPts val="0"/>
-              </a:spcAft>
-              <a:buClr>
-                <a:schemeClr val="accent1"/>
-              </a:buClr>
-              <a:buSzPct val="80000"/>
-              <a:buFont typeface="Wingdings 3" charset="2"/>
-              <a:buNone/>
-              <a:defRPr sz="1200" b="0" i="0" kern="1200">
-                <a:solidFill>
-                  <a:schemeClr val="tx1">
-                    <a:tint val="75000"/>
-                  </a:schemeClr>
-                </a:solidFill>
-                <a:latin typeface="+mn-lt"/>
-                <a:ea typeface="+mn-ea"/>
-                <a:cs typeface="+mn-cs"/>
-              </a:defRPr>
-            </a:lvl7pPr>
-            <a:lvl8pPr marL="3200400" indent="0" algn="ctr" defTabSz="457200" rtl="0" eaLnBrk="1" latinLnBrk="0" hangingPunct="1">
-              <a:spcBef>
-                <a:spcPts val="1000"/>
-              </a:spcBef>
-              <a:spcAft>
-                <a:spcPts val="0"/>
-              </a:spcAft>
-              <a:buClr>
-                <a:schemeClr val="accent1"/>
-              </a:buClr>
-              <a:buSzPct val="80000"/>
-              <a:buFont typeface="Wingdings 3" charset="2"/>
-              <a:buNone/>
-              <a:defRPr sz="1200" b="0" i="0" kern="1200">
-                <a:solidFill>
-                  <a:schemeClr val="tx1">
-                    <a:tint val="75000"/>
-                  </a:schemeClr>
-                </a:solidFill>
-                <a:latin typeface="+mn-lt"/>
-                <a:ea typeface="+mn-ea"/>
-                <a:cs typeface="+mn-cs"/>
-              </a:defRPr>
-            </a:lvl8pPr>
-            <a:lvl9pPr marL="3657600" indent="0" algn="ctr" defTabSz="457200" rtl="0" eaLnBrk="1" latinLnBrk="0" hangingPunct="1">
-              <a:spcBef>
-                <a:spcPts val="1000"/>
-              </a:spcBef>
-              <a:spcAft>
-                <a:spcPts val="0"/>
-              </a:spcAft>
-              <a:buClr>
-                <a:schemeClr val="accent1"/>
-              </a:buClr>
-              <a:buSzPct val="80000"/>
-              <a:buFont typeface="Wingdings 3" charset="2"/>
-              <a:buNone/>
-              <a:defRPr sz="1200" b="0" i="0" kern="1200">
-                <a:solidFill>
-                  <a:schemeClr val="tx1">
-                    <a:tint val="75000"/>
-                  </a:schemeClr>
-                </a:solidFill>
-                <a:latin typeface="+mn-lt"/>
-                <a:ea typeface="+mn-ea"/>
-                <a:cs typeface="+mn-cs"/>
-              </a:defRPr>
-            </a:lvl9pPr>
-          </a:lstStyle>
-          <a:p>
-            <a:pPr algn="r"/>
-            <a:r>
-              <a:rPr lang="en-US" b="1" dirty="0"/>
-              <a:t>9 AM – 10 AM</a:t>
-            </a:r>
-          </a:p>
-        </p:txBody>
-      </p:sp>
-      <p:sp>
-        <p:nvSpPr>
-          <p:cNvPr id="4" name="Rectangle 3">
-            <a:extLst>
-              <a:ext uri="{FF2B5EF4-FFF2-40B4-BE49-F238E27FC236}">
-                <a16:creationId xmlns:a16="http://schemas.microsoft.com/office/drawing/2014/main" id="{75EB4702-8FF9-E548-B316-3921ED0CA012}"/>
-              </a:ext>
-            </a:extLst>
-          </p:cNvPr>
-          <p:cNvSpPr/>
-          <p:nvPr/>
-        </p:nvSpPr>
-        <p:spPr>
-          <a:xfrm>
-            <a:off x="6477232" y="4888534"/>
-            <a:ext cx="274320" cy="91440"/>
-          </a:xfrm>
-          <a:prstGeom prst="rect">
-            <a:avLst/>
-          </a:prstGeom>
-          <a:ln>
-            <a:noFill/>
-          </a:ln>
-        </p:spPr>
-        <p:style>
-          <a:lnRef idx="2">
-            <a:schemeClr val="accent1">
-              <a:shade val="50000"/>
-            </a:schemeClr>
-          </a:lnRef>
-          <a:fillRef idx="1">
-            <a:schemeClr val="accent1"/>
-          </a:fillRef>
-          <a:effectRef idx="0">
-            <a:schemeClr val="accent1"/>
-          </a:effectRef>
-          <a:fontRef idx="minor">
-            <a:schemeClr val="lt1"/>
-          </a:fontRef>
-        </p:style>
-        <p:txBody>
-          <a:bodyPr rtlCol="0" anchor="ctr"/>
-          <a:lstStyle/>
-          <a:p>
-            <a:pPr algn="ctr"/>
-            <a:endParaRPr lang="en-US" dirty="0"/>
-          </a:p>
-        </p:txBody>
-      </p:sp>
-      <p:sp>
-        <p:nvSpPr>
-          <p:cNvPr id="8" name="Rectangle 7">
-            <a:extLst>
-              <a:ext uri="{FF2B5EF4-FFF2-40B4-BE49-F238E27FC236}">
-                <a16:creationId xmlns:a16="http://schemas.microsoft.com/office/drawing/2014/main" id="{D4F15DA0-5919-3B45-89B3-DEA88B6DDCD5}"/>
-              </a:ext>
-            </a:extLst>
-          </p:cNvPr>
-          <p:cNvSpPr/>
-          <p:nvPr/>
-        </p:nvSpPr>
-        <p:spPr>
-          <a:xfrm>
-            <a:off x="6881602" y="4888534"/>
-            <a:ext cx="274320" cy="91440"/>
-          </a:xfrm>
-          <a:prstGeom prst="rect">
-            <a:avLst/>
-          </a:prstGeom>
-          <a:ln>
-            <a:noFill/>
-          </a:ln>
-        </p:spPr>
-        <p:style>
-          <a:lnRef idx="2">
-            <a:schemeClr val="accent1">
-              <a:shade val="50000"/>
-            </a:schemeClr>
-          </a:lnRef>
-          <a:fillRef idx="1">
-            <a:schemeClr val="accent1"/>
-          </a:fillRef>
-          <a:effectRef idx="0">
-            <a:schemeClr val="accent1"/>
-          </a:effectRef>
-          <a:fontRef idx="minor">
-            <a:schemeClr val="lt1"/>
-          </a:fontRef>
-        </p:style>
-        <p:txBody>
-          <a:bodyPr rtlCol="0" anchor="ctr"/>
-          <a:lstStyle/>
-          <a:p>
-            <a:pPr algn="ctr"/>
-            <a:endParaRPr lang="en-US" dirty="0"/>
-          </a:p>
-        </p:txBody>
-      </p:sp>
-      <p:sp>
-        <p:nvSpPr>
-          <p:cNvPr id="9" name="Rectangle 8">
-            <a:extLst>
-              <a:ext uri="{FF2B5EF4-FFF2-40B4-BE49-F238E27FC236}">
-                <a16:creationId xmlns:a16="http://schemas.microsoft.com/office/drawing/2014/main" id="{6C0FB79F-EACC-7B4E-8694-75D978BD5718}"/>
-              </a:ext>
-            </a:extLst>
-          </p:cNvPr>
-          <p:cNvSpPr/>
-          <p:nvPr/>
-        </p:nvSpPr>
-        <p:spPr>
-          <a:xfrm>
-            <a:off x="7285972" y="4888534"/>
-            <a:ext cx="274320" cy="91440"/>
-          </a:xfrm>
-          <a:prstGeom prst="rect">
-            <a:avLst/>
-          </a:prstGeom>
-          <a:ln>
-            <a:noFill/>
-          </a:ln>
-        </p:spPr>
-        <p:style>
-          <a:lnRef idx="2">
-            <a:schemeClr val="accent1">
-              <a:shade val="50000"/>
-            </a:schemeClr>
-          </a:lnRef>
-          <a:fillRef idx="1">
-            <a:schemeClr val="accent1"/>
-          </a:fillRef>
-          <a:effectRef idx="0">
-            <a:schemeClr val="accent1"/>
-          </a:effectRef>
-          <a:fontRef idx="minor">
-            <a:schemeClr val="lt1"/>
-          </a:fontRef>
-        </p:style>
-        <p:txBody>
-          <a:bodyPr rtlCol="0" anchor="ctr"/>
-          <a:lstStyle/>
-          <a:p>
-            <a:pPr algn="ctr"/>
-            <a:endParaRPr lang="en-US" dirty="0"/>
-          </a:p>
-        </p:txBody>
-      </p:sp>
-      <p:sp>
-        <p:nvSpPr>
-          <p:cNvPr id="10" name="Rectangle 9">
-            <a:extLst>
-              <a:ext uri="{FF2B5EF4-FFF2-40B4-BE49-F238E27FC236}">
-                <a16:creationId xmlns:a16="http://schemas.microsoft.com/office/drawing/2014/main" id="{34A30568-5128-FC45-BF58-3AA1B8B7F948}"/>
-              </a:ext>
-            </a:extLst>
-          </p:cNvPr>
-          <p:cNvSpPr/>
-          <p:nvPr/>
-        </p:nvSpPr>
-        <p:spPr>
-          <a:xfrm>
-            <a:off x="7690342" y="4888534"/>
-            <a:ext cx="274320" cy="91440"/>
-          </a:xfrm>
-          <a:prstGeom prst="rect">
-            <a:avLst/>
-          </a:prstGeom>
-          <a:solidFill>
-            <a:schemeClr val="accent6"/>
-          </a:solidFill>
-          <a:ln>
-            <a:noFill/>
-          </a:ln>
-        </p:spPr>
-        <p:style>
-          <a:lnRef idx="2">
-            <a:schemeClr val="accent1">
-              <a:shade val="50000"/>
-            </a:schemeClr>
-          </a:lnRef>
-          <a:fillRef idx="1">
-            <a:schemeClr val="accent1"/>
-          </a:fillRef>
-          <a:effectRef idx="0">
-            <a:schemeClr val="accent1"/>
-          </a:effectRef>
-          <a:fontRef idx="minor">
-            <a:schemeClr val="lt1"/>
-          </a:fontRef>
-        </p:style>
-        <p:txBody>
-          <a:bodyPr rtlCol="0" anchor="ctr"/>
-          <a:lstStyle/>
-          <a:p>
-            <a:pPr algn="ctr"/>
-            <a:endParaRPr lang="en-US" dirty="0"/>
-          </a:p>
-        </p:txBody>
-      </p:sp>
-    </p:spTree>
-    <p:extLst>
-      <p:ext uri="{BB962C8B-B14F-4D97-AF65-F5344CB8AC3E}">
-        <p14:creationId xmlns:p14="http://schemas.microsoft.com/office/powerpoint/2010/main" val="1849157456"/>
-      </p:ext>
-    </p:extLst>
-  </p:cSld>
-  <p:clrMapOvr>
-    <a:masterClrMapping/>
-  </p:clrMapOvr>
-  <mc:AlternateContent xmlns:mc="http://schemas.openxmlformats.org/markup-compatibility/2006">
-    <mc:Choice xmlns:p14="http://schemas.microsoft.com/office/powerpoint/2010/main" Requires="p14">
-      <p:transition p14:dur="250" advClick="0" advTm="250">
-        <p:fade/>
-      </p:transition>
-    </mc:Choice>
-    <mc:Fallback>
-      <p:transition advClick="0" advTm="250">
+      <p:transition spd="slow" advClick="0" advTm="1000">
         <p:fade/>
       </p:transition>
     </mc:Fallback>

--- a/MS Office Files/opening screen.pptx
+++ b/MS Office Files/opening screen.pptx
@@ -449,7 +449,7 @@
             <a:fld id="{5923F103-BC34-4FE4-A40E-EDDEECFDA5D0}" type="datetimeFigureOut">
               <a:rPr lang="en-US" dirty="0"/>
               <a:pPr/>
-              <a:t>2/5/21</a:t>
+              <a:t>2/20/21</a:t>
             </a:fld>
             <a:endParaRPr lang="en-US" dirty="0"/>
           </a:p>
@@ -559,13 +559,13 @@
   <p:clrMapOvr>
     <a:masterClrMapping/>
   </p:clrMapOvr>
-  <mc:AlternateContent xmlns:mc="http://schemas.openxmlformats.org/markup-compatibility/2006">
-    <mc:Choice xmlns:p14="http://schemas.microsoft.com/office/powerpoint/2010/main" Requires="p14">
+  <mc:AlternateContent xmlns:mc="http://schemas.openxmlformats.org/markup-compatibility/2006" xmlns:p14="http://schemas.microsoft.com/office/powerpoint/2010/main">
+    <mc:Choice Requires="p14">
       <p:transition spd="slow" p14:dur="1500" advClick="0" advTm="1000">
         <p:fade/>
       </p:transition>
     </mc:Choice>
-    <mc:Fallback>
+    <mc:Fallback xmlns="">
       <p:transition spd="slow" advClick="0" advTm="1000">
         <p:fade/>
       </p:transition>
@@ -1545,7 +1545,7 @@
           <a:p>
             <a:fld id="{923A1CC3-2375-41D4-9E03-427CAF2A4C1A}" type="datetimeFigureOut">
               <a:rPr lang="en-US" dirty="0"/>
-              <a:t>2/5/21</a:t>
+              <a:t>2/20/21</a:t>
             </a:fld>
             <a:endParaRPr lang="en-US" dirty="0"/>
           </a:p>
@@ -1635,13 +1635,13 @@
   <p:clrMapOvr>
     <a:masterClrMapping/>
   </p:clrMapOvr>
-  <mc:AlternateContent xmlns:mc="http://schemas.openxmlformats.org/markup-compatibility/2006">
-    <mc:Choice xmlns:p14="http://schemas.microsoft.com/office/powerpoint/2010/main" Requires="p14">
+  <mc:AlternateContent xmlns:mc="http://schemas.openxmlformats.org/markup-compatibility/2006" xmlns:p14="http://schemas.microsoft.com/office/powerpoint/2010/main">
+    <mc:Choice Requires="p14">
       <p:transition spd="slow" p14:dur="1500" advClick="0" advTm="1000">
         <p:fade/>
       </p:transition>
     </mc:Choice>
-    <mc:Fallback>
+    <mc:Fallback xmlns="">
       <p:transition spd="slow" advClick="0" advTm="1000">
         <p:fade/>
       </p:transition>
@@ -2533,7 +2533,7 @@
           <a:p>
             <a:fld id="{AFF16868-8199-4C2C-A5B1-63AEE139F88E}" type="datetimeFigureOut">
               <a:rPr lang="en-US" dirty="0"/>
-              <a:t>2/5/21</a:t>
+              <a:t>2/20/21</a:t>
             </a:fld>
             <a:endParaRPr lang="en-US" dirty="0"/>
           </a:p>
@@ -2623,13 +2623,13 @@
   <p:clrMapOvr>
     <a:masterClrMapping/>
   </p:clrMapOvr>
-  <mc:AlternateContent xmlns:mc="http://schemas.openxmlformats.org/markup-compatibility/2006">
-    <mc:Choice xmlns:p14="http://schemas.microsoft.com/office/powerpoint/2010/main" Requires="p14">
+  <mc:AlternateContent xmlns:mc="http://schemas.openxmlformats.org/markup-compatibility/2006" xmlns:p14="http://schemas.microsoft.com/office/powerpoint/2010/main">
+    <mc:Choice Requires="p14">
       <p:transition spd="slow" p14:dur="1500" advClick="0" advTm="1000">
         <p:fade/>
       </p:transition>
     </mc:Choice>
-    <mc:Fallback>
+    <mc:Fallback xmlns="">
       <p:transition spd="slow" advClick="0" advTm="1000">
         <p:fade/>
       </p:transition>
@@ -3675,7 +3675,7 @@
           <a:p>
             <a:fld id="{AAD9FF7F-6988-44CC-821B-644E70CD2F73}" type="datetimeFigureOut">
               <a:rPr lang="en-US" dirty="0"/>
-              <a:t>2/5/21</a:t>
+              <a:t>2/20/21</a:t>
             </a:fld>
             <a:endParaRPr lang="en-US" dirty="0"/>
           </a:p>
@@ -3765,13 +3765,13 @@
   <p:clrMapOvr>
     <a:masterClrMapping/>
   </p:clrMapOvr>
-  <mc:AlternateContent xmlns:mc="http://schemas.openxmlformats.org/markup-compatibility/2006">
-    <mc:Choice xmlns:p14="http://schemas.microsoft.com/office/powerpoint/2010/main" Requires="p14">
+  <mc:AlternateContent xmlns:mc="http://schemas.openxmlformats.org/markup-compatibility/2006" xmlns:p14="http://schemas.microsoft.com/office/powerpoint/2010/main">
+    <mc:Choice Requires="p14">
       <p:transition spd="slow" p14:dur="1500" advClick="0" advTm="1000">
         <p:fade/>
       </p:transition>
     </mc:Choice>
-    <mc:Fallback>
+    <mc:Fallback xmlns="">
       <p:transition spd="slow" advClick="0" advTm="1000">
         <p:fade/>
       </p:transition>
@@ -4716,7 +4716,7 @@
           <a:p>
             <a:fld id="{5C12C299-16B2-4475-990D-751901EACC14}" type="datetimeFigureOut">
               <a:rPr lang="en-US" dirty="0"/>
-              <a:t>2/5/21</a:t>
+              <a:t>2/20/21</a:t>
             </a:fld>
             <a:endParaRPr lang="en-US" dirty="0"/>
           </a:p>
@@ -4806,13 +4806,13 @@
   <p:clrMapOvr>
     <a:masterClrMapping/>
   </p:clrMapOvr>
-  <mc:AlternateContent xmlns:mc="http://schemas.openxmlformats.org/markup-compatibility/2006">
-    <mc:Choice xmlns:p14="http://schemas.microsoft.com/office/powerpoint/2010/main" Requires="p14">
+  <mc:AlternateContent xmlns:mc="http://schemas.openxmlformats.org/markup-compatibility/2006" xmlns:p14="http://schemas.microsoft.com/office/powerpoint/2010/main">
+    <mc:Choice Requires="p14">
       <p:transition spd="slow" p14:dur="1500" advClick="0" advTm="1000">
         <p:fade/>
       </p:transition>
     </mc:Choice>
-    <mc:Fallback>
+    <mc:Fallback xmlns="">
       <p:transition spd="slow" advClick="0" advTm="1000">
         <p:fade/>
       </p:transition>
@@ -5384,7 +5384,7 @@
           <a:p>
             <a:fld id="{9FE86839-B9D8-4651-8783-F325ECE74E65}" type="datetimeFigureOut">
               <a:rPr lang="en-US" dirty="0"/>
-              <a:t>2/5/21</a:t>
+              <a:t>2/20/21</a:t>
             </a:fld>
             <a:endParaRPr lang="en-US" dirty="0"/>
           </a:p>
@@ -5438,13 +5438,13 @@
   <p:clrMapOvr>
     <a:masterClrMapping/>
   </p:clrMapOvr>
-  <mc:AlternateContent xmlns:mc="http://schemas.openxmlformats.org/markup-compatibility/2006">
-    <mc:Choice xmlns:p14="http://schemas.microsoft.com/office/powerpoint/2010/main" Requires="p14">
+  <mc:AlternateContent xmlns:mc="http://schemas.openxmlformats.org/markup-compatibility/2006" xmlns:p14="http://schemas.microsoft.com/office/powerpoint/2010/main">
+    <mc:Choice Requires="p14">
       <p:transition spd="slow" p14:dur="1500" advClick="0" advTm="1000">
         <p:fade/>
       </p:transition>
     </mc:Choice>
-    <mc:Fallback>
+    <mc:Fallback xmlns="">
       <p:transition spd="slow" advClick="0" advTm="1000">
         <p:fade/>
       </p:transition>
@@ -6253,7 +6253,7 @@
           <a:p>
             <a:fld id="{FD484F64-32F6-45C5-931F-ADC1662401D0}" type="datetimeFigureOut">
               <a:rPr lang="en-US" dirty="0"/>
-              <a:t>2/5/21</a:t>
+              <a:t>2/20/21</a:t>
             </a:fld>
             <a:endParaRPr lang="en-US" dirty="0"/>
           </a:p>
@@ -6312,13 +6312,13 @@
   <p:clrMapOvr>
     <a:masterClrMapping/>
   </p:clrMapOvr>
-  <mc:AlternateContent xmlns:mc="http://schemas.openxmlformats.org/markup-compatibility/2006">
-    <mc:Choice xmlns:p14="http://schemas.microsoft.com/office/powerpoint/2010/main" Requires="p14">
+  <mc:AlternateContent xmlns:mc="http://schemas.openxmlformats.org/markup-compatibility/2006" xmlns:p14="http://schemas.microsoft.com/office/powerpoint/2010/main">
+    <mc:Choice Requires="p14">
       <p:transition spd="slow" p14:dur="1500" advClick="0" advTm="1000">
         <p:fade/>
       </p:transition>
     </mc:Choice>
-    <mc:Fallback>
+    <mc:Fallback xmlns="">
       <p:transition spd="slow" advClick="0" advTm="1000">
         <p:fade/>
       </p:transition>
@@ -6451,7 +6451,7 @@
           <a:p>
             <a:fld id="{53086D93-FCAC-47E0-A2EE-787E62CA814C}" type="datetimeFigureOut">
               <a:rPr lang="en-US" dirty="0"/>
-              <a:t>2/5/21</a:t>
+              <a:t>2/20/21</a:t>
             </a:fld>
             <a:endParaRPr lang="en-US" dirty="0"/>
           </a:p>
@@ -6505,13 +6505,13 @@
   <p:clrMapOvr>
     <a:masterClrMapping/>
   </p:clrMapOvr>
-  <mc:AlternateContent xmlns:mc="http://schemas.openxmlformats.org/markup-compatibility/2006">
-    <mc:Choice xmlns:p14="http://schemas.microsoft.com/office/powerpoint/2010/main" Requires="p14">
+  <mc:AlternateContent xmlns:mc="http://schemas.openxmlformats.org/markup-compatibility/2006" xmlns:p14="http://schemas.microsoft.com/office/powerpoint/2010/main">
+    <mc:Choice Requires="p14">
       <p:transition spd="slow" p14:dur="1500" advClick="0" advTm="1000">
         <p:fade/>
       </p:transition>
     </mc:Choice>
-    <mc:Fallback>
+    <mc:Fallback xmlns="">
       <p:transition spd="slow" advClick="0" advTm="1000">
         <p:fade/>
       </p:transition>
@@ -7431,7 +7431,7 @@
           <a:p>
             <a:fld id="{CDA879A6-0FD0-4734-A311-86BFCA472E6E}" type="datetimeFigureOut">
               <a:rPr lang="en-US" dirty="0"/>
-              <a:t>2/5/21</a:t>
+              <a:t>2/20/21</a:t>
             </a:fld>
             <a:endParaRPr lang="en-US" dirty="0"/>
           </a:p>
@@ -7521,13 +7521,13 @@
   <p:clrMapOvr>
     <a:masterClrMapping/>
   </p:clrMapOvr>
-  <mc:AlternateContent xmlns:mc="http://schemas.openxmlformats.org/markup-compatibility/2006">
-    <mc:Choice xmlns:p14="http://schemas.microsoft.com/office/powerpoint/2010/main" Requires="p14">
+  <mc:AlternateContent xmlns:mc="http://schemas.openxmlformats.org/markup-compatibility/2006" xmlns:p14="http://schemas.microsoft.com/office/powerpoint/2010/main">
+    <mc:Choice Requires="p14">
       <p:transition spd="slow" p14:dur="1500" advClick="0" advTm="1000">
         <p:fade/>
       </p:transition>
     </mc:Choice>
-    <mc:Fallback>
+    <mc:Fallback xmlns="">
       <p:transition spd="slow" advClick="0" advTm="1000">
         <p:fade/>
       </p:transition>
@@ -7650,7 +7650,7 @@
           <a:p>
             <a:fld id="{19C9CA7B-DFD4-44B5-8C60-D14B8CD1FB59}" type="datetimeFigureOut">
               <a:rPr lang="en-US" dirty="0"/>
-              <a:t>2/5/21</a:t>
+              <a:t>2/20/21</a:t>
             </a:fld>
             <a:endParaRPr lang="en-US" dirty="0"/>
           </a:p>
@@ -7704,13 +7704,13 @@
   <p:clrMapOvr>
     <a:masterClrMapping/>
   </p:clrMapOvr>
-  <mc:AlternateContent xmlns:mc="http://schemas.openxmlformats.org/markup-compatibility/2006">
-    <mc:Choice xmlns:p14="http://schemas.microsoft.com/office/powerpoint/2010/main" Requires="p14">
+  <mc:AlternateContent xmlns:mc="http://schemas.openxmlformats.org/markup-compatibility/2006" xmlns:p14="http://schemas.microsoft.com/office/powerpoint/2010/main">
+    <mc:Choice Requires="p14">
       <p:transition spd="slow" p14:dur="1500" advClick="0" advTm="1000">
         <p:fade/>
       </p:transition>
     </mc:Choice>
-    <mc:Fallback>
+    <mc:Fallback xmlns="">
       <p:transition spd="slow" advClick="0" advTm="1000">
         <p:fade/>
       </p:transition>
@@ -8692,7 +8692,7 @@
           <a:p>
             <a:fld id="{F34E6425-0181-43F2-84FC-787E803FD2F8}" type="datetimeFigureOut">
               <a:rPr lang="en-US" dirty="0"/>
-              <a:t>2/5/21</a:t>
+              <a:t>2/20/21</a:t>
             </a:fld>
             <a:endParaRPr lang="en-US" dirty="0"/>
           </a:p>
@@ -8782,13 +8782,13 @@
   <p:clrMapOvr>
     <a:masterClrMapping/>
   </p:clrMapOvr>
-  <mc:AlternateContent xmlns:mc="http://schemas.openxmlformats.org/markup-compatibility/2006">
-    <mc:Choice xmlns:p14="http://schemas.microsoft.com/office/powerpoint/2010/main" Requires="p14">
+  <mc:AlternateContent xmlns:mc="http://schemas.openxmlformats.org/markup-compatibility/2006" xmlns:p14="http://schemas.microsoft.com/office/powerpoint/2010/main">
+    <mc:Choice Requires="p14">
       <p:transition spd="slow" p14:dur="1500" advClick="0" advTm="1000">
         <p:fade/>
       </p:transition>
     </mc:Choice>
-    <mc:Fallback>
+    <mc:Fallback xmlns="">
       <p:transition spd="slow" advClick="0" advTm="1000">
         <p:fade/>
       </p:transition>
@@ -8972,7 +8972,7 @@
           <a:p>
             <a:fld id="{3BDB8791-F1B0-41E7-B7FD-A781E65C4266}" type="datetimeFigureOut">
               <a:rPr lang="en-US" dirty="0"/>
-              <a:t>2/5/21</a:t>
+              <a:t>2/20/21</a:t>
             </a:fld>
             <a:endParaRPr lang="en-US" dirty="0"/>
           </a:p>
@@ -9026,13 +9026,13 @@
   <p:clrMapOvr>
     <a:masterClrMapping/>
   </p:clrMapOvr>
-  <mc:AlternateContent xmlns:mc="http://schemas.openxmlformats.org/markup-compatibility/2006">
-    <mc:Choice xmlns:p14="http://schemas.microsoft.com/office/powerpoint/2010/main" Requires="p14">
+  <mc:AlternateContent xmlns:mc="http://schemas.openxmlformats.org/markup-compatibility/2006" xmlns:p14="http://schemas.microsoft.com/office/powerpoint/2010/main">
+    <mc:Choice Requires="p14">
       <p:transition spd="slow" p14:dur="1500" advClick="0" advTm="1000">
         <p:fade/>
       </p:transition>
     </mc:Choice>
-    <mc:Fallback>
+    <mc:Fallback xmlns="">
       <p:transition spd="slow" advClick="0" advTm="1000">
         <p:fade/>
       </p:transition>
@@ -9390,7 +9390,7 @@
           <a:p>
             <a:fld id="{5FDD63B2-E120-4ED8-B27B-C685F510A5FE}" type="datetimeFigureOut">
               <a:rPr lang="en-US" dirty="0"/>
-              <a:t>2/5/21</a:t>
+              <a:t>2/20/21</a:t>
             </a:fld>
             <a:endParaRPr lang="en-US" dirty="0"/>
           </a:p>
@@ -9444,13 +9444,13 @@
   <p:clrMapOvr>
     <a:masterClrMapping/>
   </p:clrMapOvr>
-  <mc:AlternateContent xmlns:mc="http://schemas.openxmlformats.org/markup-compatibility/2006">
-    <mc:Choice xmlns:p14="http://schemas.microsoft.com/office/powerpoint/2010/main" Requires="p14">
+  <mc:AlternateContent xmlns:mc="http://schemas.openxmlformats.org/markup-compatibility/2006" xmlns:p14="http://schemas.microsoft.com/office/powerpoint/2010/main">
+    <mc:Choice Requires="p14">
       <p:transition spd="slow" p14:dur="1500" advClick="0" advTm="1000">
         <p:fade/>
       </p:transition>
     </mc:Choice>
-    <mc:Fallback>
+    <mc:Fallback xmlns="">
       <p:transition spd="slow" advClick="0" advTm="1000">
         <p:fade/>
       </p:transition>
@@ -9525,7 +9525,7 @@
           <a:p>
             <a:fld id="{7AA18ACC-A947-437B-A130-35BD54FDF1E9}" type="datetimeFigureOut">
               <a:rPr lang="en-US" dirty="0"/>
-              <a:t>2/5/21</a:t>
+              <a:t>2/20/21</a:t>
             </a:fld>
             <a:endParaRPr lang="en-US" dirty="0"/>
           </a:p>
@@ -9579,13 +9579,13 @@
   <p:clrMapOvr>
     <a:masterClrMapping/>
   </p:clrMapOvr>
-  <mc:AlternateContent xmlns:mc="http://schemas.openxmlformats.org/markup-compatibility/2006">
-    <mc:Choice xmlns:p14="http://schemas.microsoft.com/office/powerpoint/2010/main" Requires="p14">
+  <mc:AlternateContent xmlns:mc="http://schemas.openxmlformats.org/markup-compatibility/2006" xmlns:p14="http://schemas.microsoft.com/office/powerpoint/2010/main">
+    <mc:Choice Requires="p14">
       <p:transition spd="slow" p14:dur="1500" advClick="0" advTm="1000">
         <p:fade/>
       </p:transition>
     </mc:Choice>
-    <mc:Fallback>
+    <mc:Fallback xmlns="">
       <p:transition spd="slow" advClick="0" advTm="1000">
         <p:fade/>
       </p:transition>
@@ -9628,7 +9628,7 @@
           <a:p>
             <a:fld id="{7C8D7E02-BCB8-4D50-A234-369438C08659}" type="datetimeFigureOut">
               <a:rPr lang="en-US" dirty="0"/>
-              <a:t>2/5/21</a:t>
+              <a:t>2/20/21</a:t>
             </a:fld>
             <a:endParaRPr lang="en-US" dirty="0"/>
           </a:p>
@@ -9718,13 +9718,13 @@
   <p:clrMapOvr>
     <a:masterClrMapping/>
   </p:clrMapOvr>
-  <mc:AlternateContent xmlns:mc="http://schemas.openxmlformats.org/markup-compatibility/2006">
-    <mc:Choice xmlns:p14="http://schemas.microsoft.com/office/powerpoint/2010/main" Requires="p14">
+  <mc:AlternateContent xmlns:mc="http://schemas.openxmlformats.org/markup-compatibility/2006" xmlns:p14="http://schemas.microsoft.com/office/powerpoint/2010/main">
+    <mc:Choice Requires="p14">
       <p:transition spd="slow" p14:dur="1500" advClick="0" advTm="1000">
         <p:fade/>
       </p:transition>
     </mc:Choice>
-    <mc:Fallback>
+    <mc:Fallback xmlns="">
       <p:transition spd="slow" advClick="0" advTm="1000">
         <p:fade/>
       </p:transition>
@@ -10717,7 +10717,7 @@
           <a:p>
             <a:fld id="{76E86A4C-8E40-4F87-A4F0-01A0687C5742}" type="datetimeFigureOut">
               <a:rPr lang="en-US" dirty="0"/>
-              <a:t>2/5/21</a:t>
+              <a:t>2/20/21</a:t>
             </a:fld>
             <a:endParaRPr lang="en-US" dirty="0"/>
           </a:p>
@@ -10807,13 +10807,13 @@
   <p:clrMapOvr>
     <a:masterClrMapping/>
   </p:clrMapOvr>
-  <mc:AlternateContent xmlns:mc="http://schemas.openxmlformats.org/markup-compatibility/2006">
-    <mc:Choice xmlns:p14="http://schemas.microsoft.com/office/powerpoint/2010/main" Requires="p14">
+  <mc:AlternateContent xmlns:mc="http://schemas.openxmlformats.org/markup-compatibility/2006" xmlns:p14="http://schemas.microsoft.com/office/powerpoint/2010/main">
+    <mc:Choice Requires="p14">
       <p:transition spd="slow" p14:dur="1500" advClick="0" advTm="1000">
         <p:fade/>
       </p:transition>
     </mc:Choice>
-    <mc:Fallback>
+    <mc:Fallback xmlns="">
       <p:transition spd="slow" advClick="0" advTm="1000">
         <p:fade/>
       </p:transition>
@@ -11833,7 +11833,7 @@
           <a:p>
             <a:fld id="{35E72C73-2D91-4E12-BA25-F0AA0C03599B}" type="datetimeFigureOut">
               <a:rPr lang="en-US" dirty="0"/>
-              <a:t>2/5/21</a:t>
+              <a:t>2/20/21</a:t>
             </a:fld>
             <a:endParaRPr lang="en-US" dirty="0"/>
           </a:p>
@@ -11923,13 +11923,13 @@
   <p:clrMapOvr>
     <a:masterClrMapping/>
   </p:clrMapOvr>
-  <mc:AlternateContent xmlns:mc="http://schemas.openxmlformats.org/markup-compatibility/2006">
-    <mc:Choice xmlns:p14="http://schemas.microsoft.com/office/powerpoint/2010/main" Requires="p14">
+  <mc:AlternateContent xmlns:mc="http://schemas.openxmlformats.org/markup-compatibility/2006" xmlns:p14="http://schemas.microsoft.com/office/powerpoint/2010/main">
+    <mc:Choice Requires="p14">
       <p:transition spd="slow" p14:dur="1500" advClick="0" advTm="1000">
         <p:fade/>
       </p:transition>
     </mc:Choice>
-    <mc:Fallback>
+    <mc:Fallback xmlns="">
       <p:transition spd="slow" advClick="0" advTm="1000">
         <p:fade/>
       </p:transition>
@@ -12838,7 +12838,7 @@
           <a:p>
             <a:fld id="{2BE451C3-0FF4-47C4-B829-773ADF60F88C}" type="datetimeFigureOut">
               <a:rPr lang="en-US" dirty="0"/>
-              <a:t>2/5/21</a:t>
+              <a:t>2/20/21</a:t>
             </a:fld>
             <a:endParaRPr lang="en-US" dirty="0"/>
           </a:p>
@@ -12977,13 +12977,13 @@
     <p:sldLayoutId id="2147483658" r:id="rId16"/>
     <p:sldLayoutId id="2147483659" r:id="rId17"/>
   </p:sldLayoutIdLst>
-  <mc:AlternateContent xmlns:mc="http://schemas.openxmlformats.org/markup-compatibility/2006">
-    <mc:Choice xmlns:p14="http://schemas.microsoft.com/office/powerpoint/2010/main" Requires="p14">
+  <mc:AlternateContent xmlns:mc="http://schemas.openxmlformats.org/markup-compatibility/2006" xmlns:p14="http://schemas.microsoft.com/office/powerpoint/2010/main">
+    <mc:Choice Requires="p14">
       <p:transition spd="slow" p14:dur="1500" advClick="0" advTm="1000">
         <p:fade/>
       </p:transition>
     </mc:Choice>
-    <mc:Fallback>
+    <mc:Fallback xmlns="">
       <p:transition spd="slow" advClick="0" advTm="1000">
         <p:fade/>
       </p:transition>
@@ -13519,8 +13519,8 @@
         </p:nvSpPr>
         <p:spPr bwMode="gray">
           <a:xfrm>
-            <a:off x="5103341" y="4487676"/>
-            <a:ext cx="2932621" cy="861420"/>
+            <a:off x="4538949" y="4487676"/>
+            <a:ext cx="3497013" cy="861420"/>
           </a:xfrm>
           <a:prstGeom prst="rect">
             <a:avLst/>
@@ -13753,7 +13753,7 @@
             <a:pPr algn="r"/>
             <a:fld id="{92531C46-8D05-184E-B2A6-3F4A9A28DEAA}" type="datetime2">
               <a:rPr lang="en-US" b="1" cap="none" smtClean="0"/>
-              <a:t>Friday, February 5, 2021</a:t>
+              <a:t>Saturday, February 20, 2021</a:t>
             </a:fld>
             <a:endParaRPr lang="en-US" b="1" cap="none" dirty="0"/>
           </a:p>
@@ -13776,13 +13776,13 @@
   <p:clrMapOvr>
     <a:masterClrMapping/>
   </p:clrMapOvr>
-  <mc:AlternateContent xmlns:mc="http://schemas.openxmlformats.org/markup-compatibility/2006">
-    <mc:Choice xmlns:p14="http://schemas.microsoft.com/office/powerpoint/2010/main" Requires="p14">
+  <mc:AlternateContent xmlns:mc="http://schemas.openxmlformats.org/markup-compatibility/2006" xmlns:p14="http://schemas.microsoft.com/office/powerpoint/2010/main">
+    <mc:Choice Requires="p14">
       <p:transition spd="slow" p14:dur="1500" advClick="0" advTm="1000">
         <p:fade/>
       </p:transition>
     </mc:Choice>
-    <mc:Fallback>
+    <mc:Fallback xmlns="">
       <p:transition spd="slow" advClick="0" advTm="1000">
         <p:fade/>
       </p:transition>
@@ -13915,13 +13915,13 @@
   <p:clrMapOvr>
     <a:masterClrMapping/>
   </p:clrMapOvr>
-  <mc:AlternateContent xmlns:mc="http://schemas.openxmlformats.org/markup-compatibility/2006">
-    <mc:Choice xmlns:p14="http://schemas.microsoft.com/office/powerpoint/2010/main" Requires="p14">
+  <mc:AlternateContent xmlns:mc="http://schemas.openxmlformats.org/markup-compatibility/2006" xmlns:p14="http://schemas.microsoft.com/office/powerpoint/2010/main">
+    <mc:Choice Requires="p14">
       <p:transition spd="slow" p14:dur="1500" advClick="0" advTm="1000">
         <p:fade/>
       </p:transition>
     </mc:Choice>
-    <mc:Fallback>
+    <mc:Fallback xmlns="">
       <p:transition spd="slow" advClick="0" advTm="1000">
         <p:fade/>
       </p:transition>

--- a/MS Office Files/opening screen.pptx
+++ b/MS Office Files/opening screen.pptx
@@ -449,7 +449,7 @@
             <a:fld id="{5923F103-BC34-4FE4-A40E-EDDEECFDA5D0}" type="datetimeFigureOut">
               <a:rPr lang="en-US" dirty="0"/>
               <a:pPr/>
-              <a:t>2/20/21</a:t>
+              <a:t>9/11/21</a:t>
             </a:fld>
             <a:endParaRPr lang="en-US" dirty="0"/>
           </a:p>
@@ -1545,7 +1545,7 @@
           <a:p>
             <a:fld id="{923A1CC3-2375-41D4-9E03-427CAF2A4C1A}" type="datetimeFigureOut">
               <a:rPr lang="en-US" dirty="0"/>
-              <a:t>2/20/21</a:t>
+              <a:t>9/11/21</a:t>
             </a:fld>
             <a:endParaRPr lang="en-US" dirty="0"/>
           </a:p>
@@ -2533,7 +2533,7 @@
           <a:p>
             <a:fld id="{AFF16868-8199-4C2C-A5B1-63AEE139F88E}" type="datetimeFigureOut">
               <a:rPr lang="en-US" dirty="0"/>
-              <a:t>2/20/21</a:t>
+              <a:t>9/11/21</a:t>
             </a:fld>
             <a:endParaRPr lang="en-US" dirty="0"/>
           </a:p>
@@ -3675,7 +3675,7 @@
           <a:p>
             <a:fld id="{AAD9FF7F-6988-44CC-821B-644E70CD2F73}" type="datetimeFigureOut">
               <a:rPr lang="en-US" dirty="0"/>
-              <a:t>2/20/21</a:t>
+              <a:t>9/11/21</a:t>
             </a:fld>
             <a:endParaRPr lang="en-US" dirty="0"/>
           </a:p>
@@ -4716,7 +4716,7 @@
           <a:p>
             <a:fld id="{5C12C299-16B2-4475-990D-751901EACC14}" type="datetimeFigureOut">
               <a:rPr lang="en-US" dirty="0"/>
-              <a:t>2/20/21</a:t>
+              <a:t>9/11/21</a:t>
             </a:fld>
             <a:endParaRPr lang="en-US" dirty="0"/>
           </a:p>
@@ -5384,7 +5384,7 @@
           <a:p>
             <a:fld id="{9FE86839-B9D8-4651-8783-F325ECE74E65}" type="datetimeFigureOut">
               <a:rPr lang="en-US" dirty="0"/>
-              <a:t>2/20/21</a:t>
+              <a:t>9/11/21</a:t>
             </a:fld>
             <a:endParaRPr lang="en-US" dirty="0"/>
           </a:p>
@@ -6253,7 +6253,7 @@
           <a:p>
             <a:fld id="{FD484F64-32F6-45C5-931F-ADC1662401D0}" type="datetimeFigureOut">
               <a:rPr lang="en-US" dirty="0"/>
-              <a:t>2/20/21</a:t>
+              <a:t>9/11/21</a:t>
             </a:fld>
             <a:endParaRPr lang="en-US" dirty="0"/>
           </a:p>
@@ -6451,7 +6451,7 @@
           <a:p>
             <a:fld id="{53086D93-FCAC-47E0-A2EE-787E62CA814C}" type="datetimeFigureOut">
               <a:rPr lang="en-US" dirty="0"/>
-              <a:t>2/20/21</a:t>
+              <a:t>9/11/21</a:t>
             </a:fld>
             <a:endParaRPr lang="en-US" dirty="0"/>
           </a:p>
@@ -7431,7 +7431,7 @@
           <a:p>
             <a:fld id="{CDA879A6-0FD0-4734-A311-86BFCA472E6E}" type="datetimeFigureOut">
               <a:rPr lang="en-US" dirty="0"/>
-              <a:t>2/20/21</a:t>
+              <a:t>9/11/21</a:t>
             </a:fld>
             <a:endParaRPr lang="en-US" dirty="0"/>
           </a:p>
@@ -7650,7 +7650,7 @@
           <a:p>
             <a:fld id="{19C9CA7B-DFD4-44B5-8C60-D14B8CD1FB59}" type="datetimeFigureOut">
               <a:rPr lang="en-US" dirty="0"/>
-              <a:t>2/20/21</a:t>
+              <a:t>9/11/21</a:t>
             </a:fld>
             <a:endParaRPr lang="en-US" dirty="0"/>
           </a:p>
@@ -8692,7 +8692,7 @@
           <a:p>
             <a:fld id="{F34E6425-0181-43F2-84FC-787E803FD2F8}" type="datetimeFigureOut">
               <a:rPr lang="en-US" dirty="0"/>
-              <a:t>2/20/21</a:t>
+              <a:t>9/11/21</a:t>
             </a:fld>
             <a:endParaRPr lang="en-US" dirty="0"/>
           </a:p>
@@ -8972,7 +8972,7 @@
           <a:p>
             <a:fld id="{3BDB8791-F1B0-41E7-B7FD-A781E65C4266}" type="datetimeFigureOut">
               <a:rPr lang="en-US" dirty="0"/>
-              <a:t>2/20/21</a:t>
+              <a:t>9/11/21</a:t>
             </a:fld>
             <a:endParaRPr lang="en-US" dirty="0"/>
           </a:p>
@@ -9390,7 +9390,7 @@
           <a:p>
             <a:fld id="{5FDD63B2-E120-4ED8-B27B-C685F510A5FE}" type="datetimeFigureOut">
               <a:rPr lang="en-US" dirty="0"/>
-              <a:t>2/20/21</a:t>
+              <a:t>9/11/21</a:t>
             </a:fld>
             <a:endParaRPr lang="en-US" dirty="0"/>
           </a:p>
@@ -9525,7 +9525,7 @@
           <a:p>
             <a:fld id="{7AA18ACC-A947-437B-A130-35BD54FDF1E9}" type="datetimeFigureOut">
               <a:rPr lang="en-US" dirty="0"/>
-              <a:t>2/20/21</a:t>
+              <a:t>9/11/21</a:t>
             </a:fld>
             <a:endParaRPr lang="en-US" dirty="0"/>
           </a:p>
@@ -9628,7 +9628,7 @@
           <a:p>
             <a:fld id="{7C8D7E02-BCB8-4D50-A234-369438C08659}" type="datetimeFigureOut">
               <a:rPr lang="en-US" dirty="0"/>
-              <a:t>2/20/21</a:t>
+              <a:t>9/11/21</a:t>
             </a:fld>
             <a:endParaRPr lang="en-US" dirty="0"/>
           </a:p>
@@ -10717,7 +10717,7 @@
           <a:p>
             <a:fld id="{76E86A4C-8E40-4F87-A4F0-01A0687C5742}" type="datetimeFigureOut">
               <a:rPr lang="en-US" dirty="0"/>
-              <a:t>2/20/21</a:t>
+              <a:t>9/11/21</a:t>
             </a:fld>
             <a:endParaRPr lang="en-US" dirty="0"/>
           </a:p>
@@ -11833,7 +11833,7 @@
           <a:p>
             <a:fld id="{35E72C73-2D91-4E12-BA25-F0AA0C03599B}" type="datetimeFigureOut">
               <a:rPr lang="en-US" dirty="0"/>
-              <a:t>2/20/21</a:t>
+              <a:t>9/11/21</a:t>
             </a:fld>
             <a:endParaRPr lang="en-US" dirty="0"/>
           </a:p>
@@ -12838,7 +12838,7 @@
           <a:p>
             <a:fld id="{2BE451C3-0FF4-47C4-B829-773ADF60F88C}" type="datetimeFigureOut">
               <a:rPr lang="en-US" dirty="0"/>
-              <a:t>2/20/21</a:t>
+              <a:t>9/11/21</a:t>
             </a:fld>
             <a:endParaRPr lang="en-US" dirty="0"/>
           </a:p>
@@ -13433,9 +13433,10 @@
           <a:lstStyle/>
           <a:p>
             <a:r>
-              <a:rPr lang="en-US" dirty="0"/>
+              <a:rPr lang="en-US"/>
               <a:t>Saturday           Club</a:t>
             </a:r>
+            <a:endParaRPr lang="en-US" dirty="0"/>
           </a:p>
         </p:txBody>
       </p:sp>
@@ -13467,9 +13468,10 @@
           <a:p>
             <a:pPr algn="r"/>
             <a:r>
-              <a:rPr lang="en-US" dirty="0"/>
+              <a:rPr lang="en-US"/>
               <a:t>LOYOLA UNIVERSITY CHICAGO</a:t>
             </a:r>
+            <a:endParaRPr lang="en-US" dirty="0"/>
           </a:p>
         </p:txBody>
       </p:sp>
@@ -13753,16 +13755,17 @@
             <a:pPr algn="r"/>
             <a:fld id="{92531C46-8D05-184E-B2A6-3F4A9A28DEAA}" type="datetime2">
               <a:rPr lang="en-US" b="1" cap="none" smtClean="0"/>
-              <a:t>Saturday, February 20, 2021</a:t>
+              <a:t>Saturday, September 11, 2021</a:t>
             </a:fld>
-            <a:endParaRPr lang="en-US" b="1" cap="none" dirty="0"/>
+            <a:endParaRPr lang="en-US" b="1" cap="none"/>
           </a:p>
           <a:p>
             <a:pPr algn="r"/>
             <a:r>
-              <a:rPr lang="en-US" b="1" cap="none" dirty="0"/>
+              <a:rPr lang="en-US" b="1" cap="none"/>
               <a:t>9 a.m.</a:t>
             </a:r>
+            <a:endParaRPr lang="en-US" b="1" cap="none" dirty="0"/>
           </a:p>
         </p:txBody>
       </p:sp>
